--- a/documents/00_Sitzungen/Milestone_3/Meilenstein3.pptx
+++ b/documents/00_Sitzungen/Milestone_3/Meilenstein3.pptx
@@ -154,7 +154,7 @@
             </a:pPr>
             <a:r>
               <a:rPr lang="de-CH" dirty="0"/>
-              <a:t>Meilenstein 2 Aufwandsverteilung</a:t>
+              <a:t>Meilenstein 1 Aufwandsverteilung</a:t>
             </a:r>
           </a:p>
         </c:rich>
@@ -229,7 +229,7 @@
             </c:spPr>
             <c:extLst>
               <c:ext xmlns:c16="http://schemas.microsoft.com/office/drawing/2014/chart" uri="{C3380CC4-5D6E-409C-BE32-E72D297353CC}">
-                <c16:uniqueId val="{00000001-8AC9-411C-8E25-3103EAC5CFB8}"/>
+                <c16:uniqueId val="{00000001-F28F-44F9-BFDB-E0BA4CEAA5D8}"/>
               </c:ext>
             </c:extLst>
           </c:dPt>
@@ -252,7 +252,7 @@
             </c:spPr>
             <c:extLst>
               <c:ext xmlns:c16="http://schemas.microsoft.com/office/drawing/2014/chart" uri="{C3380CC4-5D6E-409C-BE32-E72D297353CC}">
-                <c16:uniqueId val="{00000003-8AC9-411C-8E25-3103EAC5CFB8}"/>
+                <c16:uniqueId val="{00000003-F28F-44F9-BFDB-E0BA4CEAA5D8}"/>
               </c:ext>
             </c:extLst>
           </c:dPt>
@@ -276,7 +276,7 @@
             </c:spPr>
             <c:extLst>
               <c:ext xmlns:c16="http://schemas.microsoft.com/office/drawing/2014/chart" uri="{C3380CC4-5D6E-409C-BE32-E72D297353CC}">
-                <c16:uniqueId val="{00000005-8AC9-411C-8E25-3103EAC5CFB8}"/>
+                <c16:uniqueId val="{00000005-F28F-44F9-BFDB-E0BA4CEAA5D8}"/>
               </c:ext>
             </c:extLst>
           </c:dPt>
@@ -297,7 +297,7 @@
             </c:spPr>
             <c:extLst>
               <c:ext xmlns:c16="http://schemas.microsoft.com/office/drawing/2014/chart" uri="{C3380CC4-5D6E-409C-BE32-E72D297353CC}">
-                <c16:uniqueId val="{00000007-8AC9-411C-8E25-3103EAC5CFB8}"/>
+                <c16:uniqueId val="{00000007-F28F-44F9-BFDB-E0BA4CEAA5D8}"/>
               </c:ext>
             </c:extLst>
           </c:dPt>
@@ -318,7 +318,7 @@
             </c:spPr>
             <c:extLst>
               <c:ext xmlns:c16="http://schemas.microsoft.com/office/drawing/2014/chart" uri="{C3380CC4-5D6E-409C-BE32-E72D297353CC}">
-                <c16:uniqueId val="{00000009-8AC9-411C-8E25-3103EAC5CFB8}"/>
+                <c16:uniqueId val="{00000009-F28F-44F9-BFDB-E0BA4CEAA5D8}"/>
               </c:ext>
             </c:extLst>
           </c:dPt>
@@ -355,29 +355,29 @@
                 <c:formatCode>General</c:formatCode>
                 <c:ptCount val="7"/>
                 <c:pt idx="0">
-                  <c:v>59.65</c:v>
+                  <c:v>35</c:v>
                 </c:pt>
                 <c:pt idx="1">
-                  <c:v>2</c:v>
+                  <c:v>20.5</c:v>
                 </c:pt>
                 <c:pt idx="2">
-                  <c:v>61.65</c:v>
+                  <c:v>60.5</c:v>
                 </c:pt>
                 <c:pt idx="3">
-                  <c:v>36.85</c:v>
+                  <c:v>8</c:v>
                 </c:pt>
                 <c:pt idx="5">
                   <c:v>80</c:v>
                 </c:pt>
                 <c:pt idx="6">
-                  <c:v>18.350000000000001</c:v>
+                  <c:v>19.5</c:v>
                 </c:pt>
               </c:numCache>
             </c:numRef>
           </c:val>
           <c:extLst>
             <c:ext xmlns:c16="http://schemas.microsoft.com/office/drawing/2014/chart" uri="{C3380CC4-5D6E-409C-BE32-E72D297353CC}">
-              <c16:uniqueId val="{0000000A-8AC9-411C-8E25-3103EAC5CFB8}"/>
+              <c16:uniqueId val="{0000000A-F28F-44F9-BFDB-E0BA4CEAA5D8}"/>
             </c:ext>
           </c:extLst>
         </c:ser>
@@ -1229,7 +1229,7 @@
           <a:p>
             <a:fld id="{506EE3B9-BFD3-4836-85E3-38E3B5379BB2}" type="datetimeFigureOut">
               <a:rPr lang="de-CH" smtClean="0"/>
-              <a:t>06.04.2018</a:t>
+              <a:t>26.04.2018</a:t>
             </a:fld>
             <a:endParaRPr lang="de-CH"/>
           </a:p>
@@ -1299,6 +1299,9 @@
   <p:clrMapOvr>
     <a:masterClrMapping/>
   </p:clrMapOvr>
+  <p:transition>
+    <p:push dir="u"/>
+  </p:transition>
 </p:sldLayout>
 </file>
 
@@ -1429,7 +1432,7 @@
           <a:p>
             <a:fld id="{506EE3B9-BFD3-4836-85E3-38E3B5379BB2}" type="datetimeFigureOut">
               <a:rPr lang="de-CH" smtClean="0"/>
-              <a:t>06.04.2018</a:t>
+              <a:t>26.04.2018</a:t>
             </a:fld>
             <a:endParaRPr lang="de-CH"/>
           </a:p>
@@ -1499,6 +1502,9 @@
   <p:clrMapOvr>
     <a:masterClrMapping/>
   </p:clrMapOvr>
+  <p:transition>
+    <p:push dir="u"/>
+  </p:transition>
 </p:sldLayout>
 </file>
 
@@ -1639,7 +1645,7 @@
           <a:p>
             <a:fld id="{506EE3B9-BFD3-4836-85E3-38E3B5379BB2}" type="datetimeFigureOut">
               <a:rPr lang="de-CH" smtClean="0"/>
-              <a:t>06.04.2018</a:t>
+              <a:t>26.04.2018</a:t>
             </a:fld>
             <a:endParaRPr lang="de-CH"/>
           </a:p>
@@ -1709,6 +1715,9 @@
   <p:clrMapOvr>
     <a:masterClrMapping/>
   </p:clrMapOvr>
+  <p:transition>
+    <p:push dir="u"/>
+  </p:transition>
 </p:sldLayout>
 </file>
 
@@ -1839,7 +1848,7 @@
           <a:p>
             <a:fld id="{506EE3B9-BFD3-4836-85E3-38E3B5379BB2}" type="datetimeFigureOut">
               <a:rPr lang="de-CH" smtClean="0"/>
-              <a:t>06.04.2018</a:t>
+              <a:t>26.04.2018</a:t>
             </a:fld>
             <a:endParaRPr lang="de-CH"/>
           </a:p>
@@ -1909,6 +1918,9 @@
   <p:clrMapOvr>
     <a:masterClrMapping/>
   </p:clrMapOvr>
+  <p:transition>
+    <p:push dir="u"/>
+  </p:transition>
 </p:sldLayout>
 </file>
 
@@ -2115,7 +2127,7 @@
           <a:p>
             <a:fld id="{506EE3B9-BFD3-4836-85E3-38E3B5379BB2}" type="datetimeFigureOut">
               <a:rPr lang="de-CH" smtClean="0"/>
-              <a:t>06.04.2018</a:t>
+              <a:t>26.04.2018</a:t>
             </a:fld>
             <a:endParaRPr lang="de-CH"/>
           </a:p>
@@ -2185,6 +2197,9 @@
   <p:clrMapOvr>
     <a:masterClrMapping/>
   </p:clrMapOvr>
+  <p:transition>
+    <p:push dir="u"/>
+  </p:transition>
 </p:sldLayout>
 </file>
 
@@ -2383,7 +2398,7 @@
           <a:p>
             <a:fld id="{506EE3B9-BFD3-4836-85E3-38E3B5379BB2}" type="datetimeFigureOut">
               <a:rPr lang="de-CH" smtClean="0"/>
-              <a:t>06.04.2018</a:t>
+              <a:t>26.04.2018</a:t>
             </a:fld>
             <a:endParaRPr lang="de-CH"/>
           </a:p>
@@ -2453,6 +2468,9 @@
   <p:clrMapOvr>
     <a:masterClrMapping/>
   </p:clrMapOvr>
+  <p:transition>
+    <p:push dir="u"/>
+  </p:transition>
 </p:sldLayout>
 </file>
 
@@ -2798,7 +2816,7 @@
           <a:p>
             <a:fld id="{506EE3B9-BFD3-4836-85E3-38E3B5379BB2}" type="datetimeFigureOut">
               <a:rPr lang="de-CH" smtClean="0"/>
-              <a:t>06.04.2018</a:t>
+              <a:t>26.04.2018</a:t>
             </a:fld>
             <a:endParaRPr lang="de-CH"/>
           </a:p>
@@ -2868,6 +2886,9 @@
   <p:clrMapOvr>
     <a:masterClrMapping/>
   </p:clrMapOvr>
+  <p:transition>
+    <p:push dir="u"/>
+  </p:transition>
 </p:sldLayout>
 </file>
 
@@ -2940,7 +2961,7 @@
           <a:p>
             <a:fld id="{506EE3B9-BFD3-4836-85E3-38E3B5379BB2}" type="datetimeFigureOut">
               <a:rPr lang="de-CH" smtClean="0"/>
-              <a:t>06.04.2018</a:t>
+              <a:t>26.04.2018</a:t>
             </a:fld>
             <a:endParaRPr lang="de-CH"/>
           </a:p>
@@ -3010,6 +3031,9 @@
   <p:clrMapOvr>
     <a:masterClrMapping/>
   </p:clrMapOvr>
+  <p:transition>
+    <p:push dir="u"/>
+  </p:transition>
 </p:sldLayout>
 </file>
 
@@ -3053,7 +3077,7 @@
           <a:p>
             <a:fld id="{506EE3B9-BFD3-4836-85E3-38E3B5379BB2}" type="datetimeFigureOut">
               <a:rPr lang="de-CH" smtClean="0"/>
-              <a:t>06.04.2018</a:t>
+              <a:t>26.04.2018</a:t>
             </a:fld>
             <a:endParaRPr lang="de-CH"/>
           </a:p>
@@ -3123,6 +3147,9 @@
   <p:clrMapOvr>
     <a:masterClrMapping/>
   </p:clrMapOvr>
+  <p:transition>
+    <p:push dir="u"/>
+  </p:transition>
 </p:sldLayout>
 </file>
 
@@ -3366,7 +3393,7 @@
           <a:p>
             <a:fld id="{506EE3B9-BFD3-4836-85E3-38E3B5379BB2}" type="datetimeFigureOut">
               <a:rPr lang="de-CH" smtClean="0"/>
-              <a:t>06.04.2018</a:t>
+              <a:t>26.04.2018</a:t>
             </a:fld>
             <a:endParaRPr lang="de-CH"/>
           </a:p>
@@ -3436,6 +3463,9 @@
   <p:clrMapOvr>
     <a:masterClrMapping/>
   </p:clrMapOvr>
+  <p:transition>
+    <p:push dir="u"/>
+  </p:transition>
 </p:sldLayout>
 </file>
 
@@ -3655,7 +3685,7 @@
           <a:p>
             <a:fld id="{506EE3B9-BFD3-4836-85E3-38E3B5379BB2}" type="datetimeFigureOut">
               <a:rPr lang="de-CH" smtClean="0"/>
-              <a:t>06.04.2018</a:t>
+              <a:t>26.04.2018</a:t>
             </a:fld>
             <a:endParaRPr lang="de-CH"/>
           </a:p>
@@ -3725,6 +3755,9 @@
   <p:clrMapOvr>
     <a:masterClrMapping/>
   </p:clrMapOvr>
+  <p:transition>
+    <p:push dir="u"/>
+  </p:transition>
 </p:sldLayout>
 </file>
 
@@ -3898,7 +3931,7 @@
           <a:p>
             <a:fld id="{506EE3B9-BFD3-4836-85E3-38E3B5379BB2}" type="datetimeFigureOut">
               <a:rPr lang="de-CH" smtClean="0"/>
-              <a:t>06.04.2018</a:t>
+              <a:t>26.04.2018</a:t>
             </a:fld>
             <a:endParaRPr lang="de-CH"/>
           </a:p>
@@ -4015,6 +4048,9 @@
     <p:sldLayoutId id="2147483658" r:id="rId10"/>
     <p:sldLayoutId id="2147483659" r:id="rId11"/>
   </p:sldLayoutIdLst>
+  <p:transition>
+    <p:push dir="u"/>
+  </p:transition>
   <p:txStyles>
     <p:titleStyle>
       <a:lvl1pPr algn="l" defTabSz="914400" rtl="0" eaLnBrk="1" latinLnBrk="0" hangingPunct="1">
@@ -4356,97 +4392,9 @@
                 <a:solidFill>
                   <a:schemeClr val="bg1"/>
                 </a:solidFill>
-                <a:latin typeface="+mn-lt"/>
+                <a:latin typeface="Myriad Pro" panose="020B0503030403020204" pitchFamily="34" charset="0"/>
               </a:rPr>
-              <a:t> Meilenstein 2</a:t>
-            </a:r>
-          </a:p>
-        </p:txBody>
-      </p:sp>
-      <p:sp>
-        <p:nvSpPr>
-          <p:cNvPr id="3" name="Untertitel 2">
-            <a:extLst>
-              <a:ext uri="{FF2B5EF4-FFF2-40B4-BE49-F238E27FC236}">
-                <a16:creationId xmlns:a16="http://schemas.microsoft.com/office/drawing/2014/main" id="{6BB48593-C4BB-4FEB-8BCF-3D4DEFA0C74F}"/>
-              </a:ext>
-            </a:extLst>
-          </p:cNvPr>
-          <p:cNvSpPr>
-            <a:spLocks noGrp="1"/>
-          </p:cNvSpPr>
-          <p:nvPr>
-            <p:ph type="subTitle" idx="1"/>
-          </p:nvPr>
-        </p:nvSpPr>
-        <p:spPr>
-          <a:xfrm>
-            <a:off x="1524000" y="3602037"/>
-            <a:ext cx="9144000" cy="2883429"/>
-          </a:xfrm>
-        </p:spPr>
-        <p:txBody>
-          <a:bodyPr/>
-          <a:lstStyle/>
-          <a:p>
-            <a:endParaRPr lang="de-CH" dirty="0">
-              <a:solidFill>
-                <a:schemeClr val="bg1"/>
-              </a:solidFill>
-            </a:endParaRPr>
-          </a:p>
-          <a:p>
-            <a:endParaRPr lang="de-CH" dirty="0">
-              <a:solidFill>
-                <a:schemeClr val="bg1"/>
-              </a:solidFill>
-            </a:endParaRPr>
-          </a:p>
-          <a:p>
-            <a:r>
-              <a:rPr lang="de-CH" sz="6000" b="1" dirty="0">
-                <a:solidFill>
-                  <a:schemeClr val="bg1"/>
-                </a:solidFill>
-              </a:rPr>
-              <a:t>Projekt Gruppe 16</a:t>
-            </a:r>
-            <a:r>
-              <a:rPr lang="de-CH" sz="6000" b="1" dirty="0">
-                <a:solidFill>
-                  <a:schemeClr val="bg1">
-                    <a:alpha val="0"/>
-                  </a:schemeClr>
-                </a:solidFill>
-              </a:rPr>
-              <a:t>      </a:t>
-            </a:r>
-            <a:r>
-              <a:rPr lang="de-CH" sz="5400" dirty="0">
-                <a:solidFill>
-                  <a:schemeClr val="bg1">
-                    <a:alpha val="0"/>
-                  </a:schemeClr>
-                </a:solidFill>
-              </a:rPr>
-              <a:t>-</a:t>
-            </a:r>
-          </a:p>
-          <a:p>
-            <a:endParaRPr lang="de-CH" dirty="0">
-              <a:solidFill>
-                <a:schemeClr val="bg1"/>
-              </a:solidFill>
-            </a:endParaRPr>
-          </a:p>
-          <a:p>
-            <a:r>
-              <a:rPr lang="de-CH" dirty="0">
-                <a:solidFill>
-                  <a:schemeClr val="bg1"/>
-                </a:solidFill>
-              </a:rPr>
-              <a:t>Reto Mayer, Jonas Rüegge, Marco Sutter, Fabian Wipf</a:t>
+              <a:t> Meilenstein 3</a:t>
             </a:r>
           </a:p>
         </p:txBody>
@@ -4479,7 +4427,7 @@
         </p:blipFill>
         <p:spPr>
           <a:xfrm>
-            <a:off x="8470214" y="4359719"/>
+            <a:off x="8800626" y="4359719"/>
             <a:ext cx="2053852" cy="1284446"/>
           </a:xfrm>
           <a:prstGeom prst="rect">
@@ -4487,6 +4435,292 @@
           </a:prstGeom>
         </p:spPr>
       </p:pic>
+      <p:sp>
+        <p:nvSpPr>
+          <p:cNvPr id="5" name="Subtitle 4">
+            <a:extLst>
+              <a:ext uri="{FF2B5EF4-FFF2-40B4-BE49-F238E27FC236}">
+                <a16:creationId xmlns:a16="http://schemas.microsoft.com/office/drawing/2014/main" id="{40B2F163-FC58-49FB-867B-DB898F05822D}"/>
+              </a:ext>
+            </a:extLst>
+          </p:cNvPr>
+          <p:cNvSpPr>
+            <a:spLocks noGrp="1"/>
+          </p:cNvSpPr>
+          <p:nvPr>
+            <p:ph type="subTitle" idx="1"/>
+          </p:nvPr>
+        </p:nvSpPr>
+        <p:spPr/>
+        <p:txBody>
+          <a:bodyPr/>
+          <a:lstStyle/>
+          <a:p>
+            <a:endParaRPr lang="en-US"/>
+          </a:p>
+        </p:txBody>
+      </p:sp>
+      <p:sp>
+        <p:nvSpPr>
+          <p:cNvPr id="8" name="Untertitel 2">
+            <a:extLst>
+              <a:ext uri="{FF2B5EF4-FFF2-40B4-BE49-F238E27FC236}">
+                <a16:creationId xmlns:a16="http://schemas.microsoft.com/office/drawing/2014/main" id="{6FDFA46A-20F7-4045-B2B5-D388C91CBE13}"/>
+              </a:ext>
+            </a:extLst>
+          </p:cNvPr>
+          <p:cNvSpPr txBox="1">
+            <a:spLocks/>
+          </p:cNvSpPr>
+          <p:nvPr/>
+        </p:nvSpPr>
+        <p:spPr>
+          <a:xfrm>
+            <a:off x="1416940" y="3602037"/>
+            <a:ext cx="9144000" cy="2883429"/>
+          </a:xfrm>
+          <a:prstGeom prst="rect">
+            <a:avLst/>
+          </a:prstGeom>
+        </p:spPr>
+        <p:txBody>
+          <a:bodyPr vert="horz" lIns="91440" tIns="45720" rIns="91440" bIns="45720" rtlCol="0">
+            <a:normAutofit/>
+          </a:bodyPr>
+          <a:lstStyle>
+            <a:lvl1pPr marL="0" indent="0" algn="ctr" defTabSz="914400" rtl="0" eaLnBrk="1" latinLnBrk="0" hangingPunct="1">
+              <a:lnSpc>
+                <a:spcPct val="90000"/>
+              </a:lnSpc>
+              <a:spcBef>
+                <a:spcPts val="1000"/>
+              </a:spcBef>
+              <a:buFont typeface="Arial" panose="020B0604020202020204" pitchFamily="34" charset="0"/>
+              <a:buNone/>
+              <a:defRPr sz="2400" kern="1200">
+                <a:solidFill>
+                  <a:schemeClr val="tx1"/>
+                </a:solidFill>
+                <a:latin typeface="+mn-lt"/>
+                <a:ea typeface="+mn-ea"/>
+                <a:cs typeface="+mn-cs"/>
+              </a:defRPr>
+            </a:lvl1pPr>
+            <a:lvl2pPr marL="457200" indent="0" algn="ctr" defTabSz="914400" rtl="0" eaLnBrk="1" latinLnBrk="0" hangingPunct="1">
+              <a:lnSpc>
+                <a:spcPct val="90000"/>
+              </a:lnSpc>
+              <a:spcBef>
+                <a:spcPts val="500"/>
+              </a:spcBef>
+              <a:buFont typeface="Arial" panose="020B0604020202020204" pitchFamily="34" charset="0"/>
+              <a:buNone/>
+              <a:defRPr sz="2000" kern="1200">
+                <a:solidFill>
+                  <a:schemeClr val="tx1"/>
+                </a:solidFill>
+                <a:latin typeface="+mn-lt"/>
+                <a:ea typeface="+mn-ea"/>
+                <a:cs typeface="+mn-cs"/>
+              </a:defRPr>
+            </a:lvl2pPr>
+            <a:lvl3pPr marL="914400" indent="0" algn="ctr" defTabSz="914400" rtl="0" eaLnBrk="1" latinLnBrk="0" hangingPunct="1">
+              <a:lnSpc>
+                <a:spcPct val="90000"/>
+              </a:lnSpc>
+              <a:spcBef>
+                <a:spcPts val="500"/>
+              </a:spcBef>
+              <a:buFont typeface="Arial" panose="020B0604020202020204" pitchFamily="34" charset="0"/>
+              <a:buNone/>
+              <a:defRPr sz="1800" kern="1200">
+                <a:solidFill>
+                  <a:schemeClr val="tx1"/>
+                </a:solidFill>
+                <a:latin typeface="+mn-lt"/>
+                <a:ea typeface="+mn-ea"/>
+                <a:cs typeface="+mn-cs"/>
+              </a:defRPr>
+            </a:lvl3pPr>
+            <a:lvl4pPr marL="1371600" indent="0" algn="ctr" defTabSz="914400" rtl="0" eaLnBrk="1" latinLnBrk="0" hangingPunct="1">
+              <a:lnSpc>
+                <a:spcPct val="90000"/>
+              </a:lnSpc>
+              <a:spcBef>
+                <a:spcPts val="500"/>
+              </a:spcBef>
+              <a:buFont typeface="Arial" panose="020B0604020202020204" pitchFamily="34" charset="0"/>
+              <a:buNone/>
+              <a:defRPr sz="1600" kern="1200">
+                <a:solidFill>
+                  <a:schemeClr val="tx1"/>
+                </a:solidFill>
+                <a:latin typeface="+mn-lt"/>
+                <a:ea typeface="+mn-ea"/>
+                <a:cs typeface="+mn-cs"/>
+              </a:defRPr>
+            </a:lvl4pPr>
+            <a:lvl5pPr marL="1828800" indent="0" algn="ctr" defTabSz="914400" rtl="0" eaLnBrk="1" latinLnBrk="0" hangingPunct="1">
+              <a:lnSpc>
+                <a:spcPct val="90000"/>
+              </a:lnSpc>
+              <a:spcBef>
+                <a:spcPts val="500"/>
+              </a:spcBef>
+              <a:buFont typeface="Arial" panose="020B0604020202020204" pitchFamily="34" charset="0"/>
+              <a:buNone/>
+              <a:defRPr sz="1600" kern="1200">
+                <a:solidFill>
+                  <a:schemeClr val="tx1"/>
+                </a:solidFill>
+                <a:latin typeface="+mn-lt"/>
+                <a:ea typeface="+mn-ea"/>
+                <a:cs typeface="+mn-cs"/>
+              </a:defRPr>
+            </a:lvl5pPr>
+            <a:lvl6pPr marL="2286000" indent="0" algn="ctr" defTabSz="914400" rtl="0" eaLnBrk="1" latinLnBrk="0" hangingPunct="1">
+              <a:lnSpc>
+                <a:spcPct val="90000"/>
+              </a:lnSpc>
+              <a:spcBef>
+                <a:spcPts val="500"/>
+              </a:spcBef>
+              <a:buFont typeface="Arial" panose="020B0604020202020204" pitchFamily="34" charset="0"/>
+              <a:buNone/>
+              <a:defRPr sz="1600" kern="1200">
+                <a:solidFill>
+                  <a:schemeClr val="tx1"/>
+                </a:solidFill>
+                <a:latin typeface="+mn-lt"/>
+                <a:ea typeface="+mn-ea"/>
+                <a:cs typeface="+mn-cs"/>
+              </a:defRPr>
+            </a:lvl6pPr>
+            <a:lvl7pPr marL="2743200" indent="0" algn="ctr" defTabSz="914400" rtl="0" eaLnBrk="1" latinLnBrk="0" hangingPunct="1">
+              <a:lnSpc>
+                <a:spcPct val="90000"/>
+              </a:lnSpc>
+              <a:spcBef>
+                <a:spcPts val="500"/>
+              </a:spcBef>
+              <a:buFont typeface="Arial" panose="020B0604020202020204" pitchFamily="34" charset="0"/>
+              <a:buNone/>
+              <a:defRPr sz="1600" kern="1200">
+                <a:solidFill>
+                  <a:schemeClr val="tx1"/>
+                </a:solidFill>
+                <a:latin typeface="+mn-lt"/>
+                <a:ea typeface="+mn-ea"/>
+                <a:cs typeface="+mn-cs"/>
+              </a:defRPr>
+            </a:lvl7pPr>
+            <a:lvl8pPr marL="3200400" indent="0" algn="ctr" defTabSz="914400" rtl="0" eaLnBrk="1" latinLnBrk="0" hangingPunct="1">
+              <a:lnSpc>
+                <a:spcPct val="90000"/>
+              </a:lnSpc>
+              <a:spcBef>
+                <a:spcPts val="500"/>
+              </a:spcBef>
+              <a:buFont typeface="Arial" panose="020B0604020202020204" pitchFamily="34" charset="0"/>
+              <a:buNone/>
+              <a:defRPr sz="1600" kern="1200">
+                <a:solidFill>
+                  <a:schemeClr val="tx1"/>
+                </a:solidFill>
+                <a:latin typeface="+mn-lt"/>
+                <a:ea typeface="+mn-ea"/>
+                <a:cs typeface="+mn-cs"/>
+              </a:defRPr>
+            </a:lvl8pPr>
+            <a:lvl9pPr marL="3657600" indent="0" algn="ctr" defTabSz="914400" rtl="0" eaLnBrk="1" latinLnBrk="0" hangingPunct="1">
+              <a:lnSpc>
+                <a:spcPct val="90000"/>
+              </a:lnSpc>
+              <a:spcBef>
+                <a:spcPts val="500"/>
+              </a:spcBef>
+              <a:buFont typeface="Arial" panose="020B0604020202020204" pitchFamily="34" charset="0"/>
+              <a:buNone/>
+              <a:defRPr sz="1600" kern="1200">
+                <a:solidFill>
+                  <a:schemeClr val="tx1"/>
+                </a:solidFill>
+                <a:latin typeface="+mn-lt"/>
+                <a:ea typeface="+mn-ea"/>
+                <a:cs typeface="+mn-cs"/>
+              </a:defRPr>
+            </a:lvl9pPr>
+          </a:lstStyle>
+          <a:p>
+            <a:endParaRPr lang="de-CH" dirty="0">
+              <a:solidFill>
+                <a:schemeClr val="bg1"/>
+              </a:solidFill>
+              <a:latin typeface="Myriad Pro" panose="020B0503030403020204" pitchFamily="34" charset="0"/>
+            </a:endParaRPr>
+          </a:p>
+          <a:p>
+            <a:endParaRPr lang="de-CH" dirty="0">
+              <a:solidFill>
+                <a:schemeClr val="bg1"/>
+              </a:solidFill>
+              <a:latin typeface="Myriad Pro" panose="020B0503030403020204" pitchFamily="34" charset="0"/>
+            </a:endParaRPr>
+          </a:p>
+          <a:p>
+            <a:r>
+              <a:rPr lang="de-CH" sz="6000" b="1" dirty="0">
+                <a:solidFill>
+                  <a:schemeClr val="bg1"/>
+                </a:solidFill>
+                <a:latin typeface="Myriad Pro" panose="020B0503030403020204" pitchFamily="34" charset="0"/>
+              </a:rPr>
+              <a:t>Projekt Gruppe 16</a:t>
+            </a:r>
+            <a:r>
+              <a:rPr lang="de-CH" sz="6000" b="1" dirty="0">
+                <a:solidFill>
+                  <a:schemeClr val="bg1">
+                    <a:alpha val="0"/>
+                  </a:schemeClr>
+                </a:solidFill>
+                <a:latin typeface="Myriad Pro" panose="020B0503030403020204" pitchFamily="34" charset="0"/>
+              </a:rPr>
+              <a:t>      </a:t>
+            </a:r>
+            <a:r>
+              <a:rPr lang="de-CH" sz="5400" dirty="0">
+                <a:solidFill>
+                  <a:schemeClr val="bg1">
+                    <a:alpha val="0"/>
+                  </a:schemeClr>
+                </a:solidFill>
+                <a:latin typeface="Myriad Pro" panose="020B0503030403020204" pitchFamily="34" charset="0"/>
+              </a:rPr>
+              <a:t>-</a:t>
+            </a:r>
+          </a:p>
+          <a:p>
+            <a:endParaRPr lang="de-CH" dirty="0">
+              <a:solidFill>
+                <a:schemeClr val="bg1"/>
+              </a:solidFill>
+              <a:latin typeface="Myriad Pro" panose="020B0503030403020204" pitchFamily="34" charset="0"/>
+            </a:endParaRPr>
+          </a:p>
+          <a:p>
+            <a:r>
+              <a:rPr lang="de-CH" dirty="0">
+                <a:solidFill>
+                  <a:schemeClr val="bg1"/>
+                </a:solidFill>
+                <a:latin typeface="Myriad Pro" panose="020B0503030403020204" pitchFamily="34" charset="0"/>
+              </a:rPr>
+              <a:t>Reto Mayer, Marco Sutter, Fabian Wipf</a:t>
+            </a:r>
+          </a:p>
+        </p:txBody>
+      </p:sp>
     </p:spTree>
     <p:extLst>
       <p:ext uri="{BB962C8B-B14F-4D97-AF65-F5344CB8AC3E}">
@@ -4497,6 +4731,14 @@
   <p:clrMapOvr>
     <a:masterClrMapping/>
   </p:clrMapOvr>
+  <mc:AlternateContent xmlns:mc="http://schemas.openxmlformats.org/markup-compatibility/2006">
+    <mc:Choice xmlns:p14="http://schemas.microsoft.com/office/powerpoint/2010/main" Requires="p14">
+      <p:transition p14:dur="0"/>
+    </mc:Choice>
+    <mc:Fallback>
+      <p:transition/>
+    </mc:Fallback>
+  </mc:AlternateContent>
 </p:sld>
 </file>
 
@@ -4558,6 +4800,7 @@
                 <a:solidFill>
                   <a:schemeClr val="bg1"/>
                 </a:solidFill>
+                <a:latin typeface="Myriad Pro" panose="020B0503030403020204" pitchFamily="34" charset="0"/>
               </a:rPr>
               <a:t>Begrüssung</a:t>
             </a:r>
@@ -4582,8 +4825,8 @@
         </p:nvSpPr>
         <p:spPr>
           <a:xfrm>
-            <a:off x="838200" y="1524000"/>
-            <a:ext cx="10515600" cy="4842933"/>
+            <a:off x="-48861" y="1524000"/>
+            <a:ext cx="12333930" cy="5567835"/>
           </a:xfrm>
           <a:solidFill>
             <a:schemeClr val="bg1"/>
@@ -4595,7 +4838,9 @@
           </a:bodyPr>
           <a:lstStyle/>
           <a:p>
-            <a:endParaRPr lang="de-CH" sz="3600" dirty="0"/>
+            <a:endParaRPr lang="de-CH" sz="3600" dirty="0">
+              <a:latin typeface="Myriad Pro" panose="020B0503030403020204" pitchFamily="34" charset="0"/>
+            </a:endParaRPr>
           </a:p>
           <a:p>
             <a:pPr marL="1657350" lvl="2" indent="-742950">
@@ -4607,53 +4852,53 @@
                 <a:solidFill>
                   <a:schemeClr val="bg1"/>
                 </a:solidFill>
+                <a:latin typeface="Myriad Pro" panose="020B0503030403020204" pitchFamily="34" charset="0"/>
               </a:rPr>
               <a:t>- </a:t>
             </a:r>
           </a:p>
           <a:p>
-            <a:pPr marL="1657350" lvl="2" indent="-742950">
-              <a:buFont typeface="+mj-lt"/>
-              <a:buAutoNum type="arabicParenBoth"/>
+            <a:pPr marL="914400" lvl="2" indent="0">
+              <a:buNone/>
             </a:pPr>
             <a:r>
-              <a:rPr lang="de-CH" sz="4000" dirty="0"/>
-              <a:t>Stand </a:t>
-            </a:r>
-            <a:r>
-              <a:rPr lang="de-CH" sz="4000" dirty="0" err="1"/>
-              <a:t>Issues</a:t>
-            </a:r>
-            <a:endParaRPr lang="de-CH" sz="4000" dirty="0"/>
-          </a:p>
-          <a:p>
-            <a:pPr marL="1657350" lvl="2" indent="-742950">
-              <a:buFont typeface="+mj-lt"/>
-              <a:buAutoNum type="arabicParenBoth"/>
+              <a:rPr lang="de-CH" sz="4000" dirty="0">
+                <a:latin typeface="Myriad Pro" panose="020B0503030403020204" pitchFamily="34" charset="0"/>
+              </a:rPr>
+              <a:t>- Stand Issues</a:t>
+            </a:r>
+          </a:p>
+          <a:p>
+            <a:pPr marL="914400" lvl="2" indent="0">
+              <a:buNone/>
             </a:pPr>
             <a:r>
-              <a:rPr lang="de-CH" sz="4000" dirty="0"/>
-              <a:t>Stand des Projektes</a:t>
-            </a:r>
-          </a:p>
-          <a:p>
-            <a:pPr marL="1657350" lvl="2" indent="-742950">
-              <a:buFont typeface="+mj-lt"/>
-              <a:buAutoNum type="arabicParenBoth"/>
+              <a:rPr lang="de-CH" sz="4000" dirty="0">
+                <a:latin typeface="Myriad Pro" panose="020B0503030403020204" pitchFamily="34" charset="0"/>
+              </a:rPr>
+              <a:t>- Stand des Projektes</a:t>
+            </a:r>
+          </a:p>
+          <a:p>
+            <a:pPr marL="914400" lvl="2" indent="0">
+              <a:buNone/>
             </a:pPr>
             <a:r>
-              <a:rPr lang="de-CH" sz="4000" dirty="0"/>
-              <a:t>Ablauf eines Benutzers</a:t>
-            </a:r>
-          </a:p>
-          <a:p>
-            <a:pPr marL="1657350" lvl="2" indent="-742950">
-              <a:buFont typeface="+mj-lt"/>
-              <a:buAutoNum type="arabicParenBoth"/>
+              <a:rPr lang="de-CH" sz="4000" dirty="0">
+                <a:latin typeface="Myriad Pro" panose="020B0503030403020204" pitchFamily="34" charset="0"/>
+              </a:rPr>
+              <a:t>- Ablauf einer Fahrt</a:t>
+            </a:r>
+          </a:p>
+          <a:p>
+            <a:pPr marL="914400" lvl="2" indent="0">
+              <a:buNone/>
             </a:pPr>
             <a:r>
-              <a:rPr lang="de-CH" sz="4000" dirty="0"/>
-              <a:t>Ausblick und Pendenzen</a:t>
+              <a:rPr lang="de-CH" sz="4000" dirty="0">
+                <a:latin typeface="Myriad Pro" panose="020B0503030403020204" pitchFamily="34" charset="0"/>
+              </a:rPr>
+              <a:t>- Ausblick und Pendenzen</a:t>
             </a:r>
           </a:p>
         </p:txBody>
@@ -4704,6 +4949,9 @@
   <p:clrMapOvr>
     <a:masterClrMapping/>
   </p:clrMapOvr>
+  <p:transition>
+    <p:push dir="u"/>
+  </p:transition>
 </p:sld>
 </file>
 
@@ -4765,16 +5013,18 @@
                 <a:solidFill>
                   <a:schemeClr val="bg1"/>
                 </a:solidFill>
+                <a:latin typeface="Myriad Pro" panose="020B0503030403020204" pitchFamily="34" charset="0"/>
               </a:rPr>
-              <a:t>Aufwand Meilenstein 2 </a:t>
-            </a:r>
-            <a:r>
-              <a:rPr lang="de-CH" sz="2800" b="1" dirty="0">
+              <a:t>Aufwand Meilenstein 3 </a:t>
+            </a:r>
+            <a:r>
+              <a:rPr lang="de-CH" sz="2400" b="1" dirty="0">
                 <a:solidFill>
                   <a:schemeClr val="bg1"/>
                 </a:solidFill>
+                <a:latin typeface="Myriad Pro" panose="020B0503030403020204" pitchFamily="34" charset="0"/>
               </a:rPr>
-              <a:t>(03.04.18)</a:t>
+              <a:t>(26.04.2018)</a:t>
             </a:r>
           </a:p>
         </p:txBody>
@@ -4797,8 +5047,8 @@
         </p:nvSpPr>
         <p:spPr>
           <a:xfrm>
-            <a:off x="838200" y="1524000"/>
-            <a:ext cx="10515600" cy="4842933"/>
+            <a:off x="-169049" y="1524001"/>
+            <a:ext cx="12724760" cy="5468470"/>
           </a:xfrm>
           <a:solidFill>
             <a:schemeClr val="bg1"/>
@@ -4868,14 +5118,14 @@
           <p:nvPr>
             <p:extLst>
               <p:ext uri="{D42A27DB-BD31-4B8C-83A1-F6EECF244321}">
-                <p14:modId xmlns:p14="http://schemas.microsoft.com/office/powerpoint/2010/main" val="1419061419"/>
+                <p14:modId xmlns:p14="http://schemas.microsoft.com/office/powerpoint/2010/main" val="1850426866"/>
               </p:ext>
             </p:extLst>
           </p:nvPr>
         </p:nvGraphicFramePr>
         <p:xfrm>
           <a:off x="939800" y="1684441"/>
-          <a:ext cx="5545667" cy="4461090"/>
+          <a:ext cx="5545667" cy="4095330"/>
         </p:xfrm>
         <a:graphic>
           <a:graphicData uri="http://schemas.openxmlformats.org/drawingml/2006/table">
@@ -4909,6 +5159,7 @@
                       <a:r>
                         <a:rPr lang="de-CH" sz="2400" u="none" strike="noStrike" dirty="0">
                           <a:effectLst/>
+                          <a:latin typeface="Myriad Pro" panose="020B0503030403020204" pitchFamily="34" charset="0"/>
                         </a:rPr>
                         <a:t>Projekt in Std</a:t>
                       </a:r>
@@ -4917,7 +5168,7 @@
                           <a:srgbClr val="000000"/>
                         </a:solidFill>
                         <a:effectLst/>
-                        <a:latin typeface="Arial" panose="020B0604020202020204" pitchFamily="34" charset="0"/>
+                        <a:latin typeface="Myriad Pro" panose="020B0503030403020204" pitchFamily="34" charset="0"/>
                       </a:endParaRPr>
                     </a:p>
                   </a:txBody>
@@ -4951,15 +5202,16 @@
                       <a:r>
                         <a:rPr lang="de-CH" sz="2400" u="none" strike="noStrike" kern="1200" dirty="0">
                           <a:effectLst/>
+                          <a:latin typeface="Myriad Pro" panose="020B0503030403020204" pitchFamily="34" charset="0"/>
                         </a:rPr>
-                        <a:t>45</a:t>
+                        <a:t>35</a:t>
                       </a:r>
                       <a:endParaRPr lang="de-CH" sz="2400" u="none" strike="noStrike" kern="1200" dirty="0">
                         <a:solidFill>
                           <a:schemeClr val="dk1"/>
                         </a:solidFill>
                         <a:effectLst/>
-                        <a:latin typeface="+mn-lt"/>
+                        <a:latin typeface="Myriad Pro" panose="020B0503030403020204" pitchFamily="34" charset="0"/>
                         <a:ea typeface="+mn-ea"/>
                         <a:cs typeface="+mn-cs"/>
                       </a:endParaRPr>
@@ -5002,6 +5254,7 @@
                       <a:r>
                         <a:rPr lang="de-CH" sz="2400" u="none" strike="noStrike" dirty="0">
                           <a:effectLst/>
+                          <a:latin typeface="Myriad Pro" panose="020B0503030403020204" pitchFamily="34" charset="0"/>
                         </a:rPr>
                         <a:t>Clean Code</a:t>
                       </a:r>
@@ -5010,7 +5263,7 @@
                           <a:srgbClr val="000000"/>
                         </a:solidFill>
                         <a:effectLst/>
-                        <a:latin typeface="Arial" panose="020B0604020202020204" pitchFamily="34" charset="0"/>
+                        <a:latin typeface="Myriad Pro" panose="020B0503030403020204" pitchFamily="34" charset="0"/>
                       </a:endParaRPr>
                     </a:p>
                   </a:txBody>
@@ -5053,15 +5306,16 @@
                       <a:r>
                         <a:rPr lang="de-CH" sz="2400" u="none" strike="noStrike" kern="1200" dirty="0">
                           <a:effectLst/>
+                          <a:latin typeface="Myriad Pro" panose="020B0503030403020204" pitchFamily="34" charset="0"/>
                         </a:rPr>
-                        <a:t>21.5</a:t>
+                        <a:t>20.5</a:t>
                       </a:r>
                       <a:endParaRPr lang="de-CH" sz="2400" u="none" strike="noStrike" kern="1200" dirty="0">
                         <a:solidFill>
                           <a:schemeClr val="dk1"/>
                         </a:solidFill>
                         <a:effectLst/>
-                        <a:latin typeface="+mn-lt"/>
+                        <a:latin typeface="Myriad Pro" panose="020B0503030403020204" pitchFamily="34" charset="0"/>
                         <a:ea typeface="+mn-ea"/>
                         <a:cs typeface="+mn-cs"/>
                       </a:endParaRPr>
@@ -5113,6 +5367,7 @@
                       <a:r>
                         <a:rPr lang="de-CH" sz="2400" u="none" strike="noStrike" dirty="0">
                           <a:effectLst/>
+                          <a:latin typeface="Myriad Pro" panose="020B0503030403020204" pitchFamily="34" charset="0"/>
                         </a:rPr>
                         <a:t>Projekt effektiv</a:t>
                       </a:r>
@@ -5121,7 +5376,7 @@
                           <a:srgbClr val="000000"/>
                         </a:solidFill>
                         <a:effectLst/>
-                        <a:latin typeface="Arial" panose="020B0604020202020204" pitchFamily="34" charset="0"/>
+                        <a:latin typeface="Myriad Pro" panose="020B0503030403020204" pitchFamily="34" charset="0"/>
                       </a:endParaRPr>
                     </a:p>
                   </a:txBody>
@@ -5164,15 +5419,16 @@
                       <a:r>
                         <a:rPr lang="de-CH" sz="2400" u="none" strike="noStrike" kern="1200" dirty="0">
                           <a:effectLst/>
+                          <a:latin typeface="Myriad Pro" panose="020B0503030403020204" pitchFamily="34" charset="0"/>
                         </a:rPr>
-                        <a:t>66.5</a:t>
+                        <a:t>60.5</a:t>
                       </a:r>
                       <a:endParaRPr lang="de-CH" sz="2400" u="none" strike="noStrike" kern="1200" dirty="0">
                         <a:solidFill>
                           <a:schemeClr val="dk1"/>
                         </a:solidFill>
                         <a:effectLst/>
-                        <a:latin typeface="+mn-lt"/>
+                        <a:latin typeface="Myriad Pro" panose="020B0503030403020204" pitchFamily="34" charset="0"/>
                         <a:ea typeface="+mn-ea"/>
                         <a:cs typeface="+mn-cs"/>
                       </a:endParaRPr>
@@ -5224,6 +5480,7 @@
                       <a:r>
                         <a:rPr lang="de-CH" sz="2400" u="none" strike="noStrike" dirty="0">
                           <a:effectLst/>
+                          <a:latin typeface="Myriad Pro" panose="020B0503030403020204" pitchFamily="34" charset="0"/>
                         </a:rPr>
                         <a:t>Eingeplant</a:t>
                       </a:r>
@@ -5232,7 +5489,7 @@
                           <a:srgbClr val="000000"/>
                         </a:solidFill>
                         <a:effectLst/>
-                        <a:latin typeface="Arial" panose="020B0604020202020204" pitchFamily="34" charset="0"/>
+                        <a:latin typeface="Myriad Pro" panose="020B0503030403020204" pitchFamily="34" charset="0"/>
                       </a:endParaRPr>
                     </a:p>
                   </a:txBody>
@@ -5275,6 +5532,7 @@
                       <a:r>
                         <a:rPr lang="de-CH" sz="2400" u="none" strike="noStrike" kern="1200" dirty="0">
                           <a:effectLst/>
+                          <a:latin typeface="Myriad Pro" panose="020B0503030403020204" pitchFamily="34" charset="0"/>
                         </a:rPr>
                         <a:t>80</a:t>
                       </a:r>
@@ -5283,7 +5541,7 @@
                           <a:schemeClr val="dk1"/>
                         </a:solidFill>
                         <a:effectLst/>
-                        <a:latin typeface="+mn-lt"/>
+                        <a:latin typeface="Myriad Pro" panose="020B0503030403020204" pitchFamily="34" charset="0"/>
                         <a:ea typeface="+mn-ea"/>
                         <a:cs typeface="+mn-cs"/>
                       </a:endParaRPr>
@@ -5335,6 +5593,7 @@
                       <a:r>
                         <a:rPr lang="de-CH" sz="2400" u="none" strike="noStrike">
                           <a:effectLst/>
+                          <a:latin typeface="Myriad Pro" panose="020B0503030403020204" pitchFamily="34" charset="0"/>
                         </a:rPr>
                         <a:t>Differenz Planung - Effektiv</a:t>
                       </a:r>
@@ -5343,7 +5602,7 @@
                           <a:srgbClr val="000000"/>
                         </a:solidFill>
                         <a:effectLst/>
-                        <a:latin typeface="Arial" panose="020B0604020202020204" pitchFamily="34" charset="0"/>
+                        <a:latin typeface="Myriad Pro" panose="020B0503030403020204" pitchFamily="34" charset="0"/>
                       </a:endParaRPr>
                     </a:p>
                   </a:txBody>
@@ -5386,15 +5645,16 @@
                       <a:r>
                         <a:rPr lang="de-CH" sz="2400" u="none" strike="noStrike" kern="1200" dirty="0">
                           <a:effectLst/>
+                          <a:latin typeface="Myriad Pro" panose="020B0503030403020204" pitchFamily="34" charset="0"/>
                         </a:rPr>
-                        <a:t>13.5</a:t>
+                        <a:t>19.5</a:t>
                       </a:r>
                       <a:endParaRPr lang="de-CH" sz="2400" u="none" strike="noStrike" kern="1200" dirty="0">
                         <a:solidFill>
                           <a:schemeClr val="dk1"/>
                         </a:solidFill>
                         <a:effectLst/>
-                        <a:latin typeface="+mn-lt"/>
+                        <a:latin typeface="Myriad Pro" panose="020B0503030403020204" pitchFamily="34" charset="0"/>
                         <a:ea typeface="+mn-ea"/>
                         <a:cs typeface="+mn-cs"/>
                       </a:endParaRPr>
@@ -5436,105 +5696,6 @@
                   </a:ext>
                 </a:extLst>
               </a:tr>
-              <a:tr h="288699">
-                <a:tc>
-                  <a:txBody>
-                    <a:bodyPr/>
-                    <a:lstStyle/>
-                    <a:p>
-                      <a:pPr algn="l" fontAlgn="b"/>
-                      <a:endParaRPr lang="de-CH" sz="2400" b="0" i="0" u="none" strike="noStrike" dirty="0">
-                        <a:solidFill>
-                          <a:srgbClr val="000000"/>
-                        </a:solidFill>
-                        <a:effectLst/>
-                        <a:latin typeface="Arial" panose="020B0604020202020204" pitchFamily="34" charset="0"/>
-                      </a:endParaRPr>
-                    </a:p>
-                  </a:txBody>
-                  <a:tcPr marL="0" marR="0" marT="0" marB="0" anchor="b">
-                    <a:lnR w="12700" cap="flat" cmpd="sng" algn="ctr">
-                      <a:solidFill>
-                        <a:schemeClr val="tx1"/>
-                      </a:solidFill>
-                      <a:prstDash val="solid"/>
-                      <a:round/>
-                      <a:headEnd type="none" w="med" len="med"/>
-                      <a:tailEnd type="none" w="med" len="med"/>
-                    </a:lnR>
-                    <a:lnT w="12700" cap="flat" cmpd="sng" algn="ctr">
-                      <a:solidFill>
-                        <a:schemeClr val="tx1"/>
-                      </a:solidFill>
-                      <a:prstDash val="solid"/>
-                      <a:round/>
-                      <a:headEnd type="none" w="med" len="med"/>
-                      <a:tailEnd type="none" w="med" len="med"/>
-                    </a:lnT>
-                    <a:lnB w="12700" cap="flat" cmpd="sng" algn="ctr">
-                      <a:solidFill>
-                        <a:schemeClr val="tx1"/>
-                      </a:solidFill>
-                      <a:prstDash val="solid"/>
-                      <a:round/>
-                      <a:headEnd type="none" w="med" len="med"/>
-                      <a:tailEnd type="none" w="med" len="med"/>
-                    </a:lnB>
-                  </a:tcPr>
-                </a:tc>
-                <a:tc>
-                  <a:txBody>
-                    <a:bodyPr/>
-                    <a:lstStyle/>
-                    <a:p>
-                      <a:pPr algn="l" fontAlgn="b"/>
-                      <a:endParaRPr lang="de-CH" sz="2400" u="none" strike="noStrike" kern="1200" dirty="0">
-                        <a:solidFill>
-                          <a:schemeClr val="dk1"/>
-                        </a:solidFill>
-                        <a:effectLst/>
-                        <a:latin typeface="+mn-lt"/>
-                        <a:ea typeface="+mn-ea"/>
-                        <a:cs typeface="+mn-cs"/>
-                      </a:endParaRPr>
-                    </a:p>
-                  </a:txBody>
-                  <a:tcPr marL="0" marR="0" marT="0" marB="0" anchor="b">
-                    <a:lnL w="12700" cap="flat" cmpd="sng" algn="ctr">
-                      <a:solidFill>
-                        <a:schemeClr val="tx1"/>
-                      </a:solidFill>
-                      <a:prstDash val="solid"/>
-                      <a:round/>
-                      <a:headEnd type="none" w="med" len="med"/>
-                      <a:tailEnd type="none" w="med" len="med"/>
-                    </a:lnL>
-                    <a:lnT w="12700" cap="flat" cmpd="sng" algn="ctr">
-                      <a:solidFill>
-                        <a:schemeClr val="tx1"/>
-                      </a:solidFill>
-                      <a:prstDash val="solid"/>
-                      <a:round/>
-                      <a:headEnd type="none" w="med" len="med"/>
-                      <a:tailEnd type="none" w="med" len="med"/>
-                    </a:lnT>
-                    <a:lnB w="12700" cap="flat" cmpd="sng" algn="ctr">
-                      <a:solidFill>
-                        <a:schemeClr val="tx1"/>
-                      </a:solidFill>
-                      <a:prstDash val="solid"/>
-                      <a:round/>
-                      <a:headEnd type="none" w="med" len="med"/>
-                      <a:tailEnd type="none" w="med" len="med"/>
-                    </a:lnB>
-                  </a:tcPr>
-                </a:tc>
-                <a:extLst>
-                  <a:ext uri="{0D108BD9-81ED-4DB2-BD59-A6C34878D82A}">
-                    <a16:rowId xmlns:a16="http://schemas.microsoft.com/office/drawing/2014/main" val="13943332"/>
-                  </a:ext>
-                </a:extLst>
-              </a:tr>
               <a:tr h="679868">
                 <a:tc>
                   <a:txBody>
@@ -5545,6 +5706,7 @@
                       <a:r>
                         <a:rPr lang="de-CH" sz="2400" u="none" strike="noStrike" dirty="0">
                           <a:effectLst/>
+                          <a:latin typeface="Myriad Pro" panose="020B0503030403020204" pitchFamily="34" charset="0"/>
                         </a:rPr>
                         <a:t>Wissenstransfer Total</a:t>
                       </a:r>
@@ -5553,7 +5715,7 @@
                           <a:srgbClr val="000000"/>
                         </a:solidFill>
                         <a:effectLst/>
-                        <a:latin typeface="Arial" panose="020B0604020202020204" pitchFamily="34" charset="0"/>
+                        <a:latin typeface="Myriad Pro" panose="020B0503030403020204" pitchFamily="34" charset="0"/>
                       </a:endParaRPr>
                     </a:p>
                   </a:txBody>
@@ -5586,19 +5748,16 @@
                       <a:pPr algn="r" fontAlgn="b"/>
                       <a:r>
                         <a:rPr lang="de-CH" sz="2400" u="none" strike="noStrike" kern="1200" dirty="0">
+                          <a:solidFill>
+                            <a:schemeClr val="dk1"/>
+                          </a:solidFill>
                           <a:effectLst/>
+                          <a:latin typeface="Myriad Pro" panose="020B0503030403020204" pitchFamily="34" charset="0"/>
+                          <a:ea typeface="+mn-ea"/>
+                          <a:cs typeface="+mn-cs"/>
                         </a:rPr>
-                        <a:t>20.5</a:t>
+                        <a:t>8</a:t>
                       </a:r>
-                      <a:endParaRPr lang="de-CH" sz="2400" u="none" strike="noStrike" kern="1200" dirty="0">
-                        <a:solidFill>
-                          <a:schemeClr val="dk1"/>
-                        </a:solidFill>
-                        <a:effectLst/>
-                        <a:latin typeface="+mn-lt"/>
-                        <a:ea typeface="+mn-ea"/>
-                        <a:cs typeface="+mn-cs"/>
-                      </a:endParaRPr>
                     </a:p>
                   </a:txBody>
                   <a:tcPr marL="0" marR="0" marT="0" marB="0" anchor="b">
@@ -5634,7 +5793,7 @@
       </p:graphicFrame>
       <p:graphicFrame>
         <p:nvGraphicFramePr>
-          <p:cNvPr id="6" name="Diagramm 5">
+          <p:cNvPr id="9" name="Diagramm 7">
             <a:extLst>
               <a:ext uri="{FF2B5EF4-FFF2-40B4-BE49-F238E27FC236}">
                 <a16:creationId xmlns:a16="http://schemas.microsoft.com/office/drawing/2014/main" id="{6F39EE48-F0E8-4FC3-92BE-00F07F5D95BD}"/>
@@ -5647,14 +5806,14 @@
           <p:nvPr>
             <p:extLst>
               <p:ext uri="{D42A27DB-BD31-4B8C-83A1-F6EECF244321}">
-                <p14:modId xmlns:p14="http://schemas.microsoft.com/office/powerpoint/2010/main" val="487094515"/>
+                <p14:modId xmlns:p14="http://schemas.microsoft.com/office/powerpoint/2010/main" val="3384325410"/>
               </p:ext>
             </p:extLst>
           </p:nvPr>
         </p:nvGraphicFramePr>
         <p:xfrm>
-          <a:off x="6570134" y="1591733"/>
-          <a:ext cx="4572000" cy="4614334"/>
+          <a:off x="6677425" y="1684442"/>
+          <a:ext cx="5332720" cy="4095330"/>
         </p:xfrm>
         <a:graphic>
           <a:graphicData uri="http://schemas.openxmlformats.org/drawingml/2006/chart">
@@ -5672,6 +5831,9 @@
   <p:clrMapOvr>
     <a:masterClrMapping/>
   </p:clrMapOvr>
+  <p:transition>
+    <p:push dir="u"/>
+  </p:transition>
 </p:sld>
 </file>
 
@@ -5733,6 +5895,7 @@
                 <a:solidFill>
                   <a:schemeClr val="bg1"/>
                 </a:solidFill>
+                <a:latin typeface="Myriad Pro" panose="020B0503030403020204" pitchFamily="34" charset="0"/>
               </a:rPr>
               <a:t>Stand </a:t>
             </a:r>
@@ -5741,6 +5904,7 @@
                 <a:solidFill>
                   <a:schemeClr val="bg1"/>
                 </a:solidFill>
+                <a:latin typeface="Myriad Pro" panose="020B0503030403020204" pitchFamily="34" charset="0"/>
               </a:rPr>
               <a:t>Issues</a:t>
             </a:r>
@@ -5748,66 +5912,8 @@
               <a:solidFill>
                 <a:schemeClr val="bg1"/>
               </a:solidFill>
+              <a:latin typeface="Myriad Pro" panose="020B0503030403020204" pitchFamily="34" charset="0"/>
             </a:endParaRPr>
-          </a:p>
-        </p:txBody>
-      </p:sp>
-      <p:sp>
-        <p:nvSpPr>
-          <p:cNvPr id="3" name="Inhaltsplatzhalter 2">
-            <a:extLst>
-              <a:ext uri="{FF2B5EF4-FFF2-40B4-BE49-F238E27FC236}">
-                <a16:creationId xmlns:a16="http://schemas.microsoft.com/office/drawing/2014/main" id="{D8B19D9F-EE71-4337-A5B0-92F3F6F2E0D7}"/>
-              </a:ext>
-            </a:extLst>
-          </p:cNvPr>
-          <p:cNvSpPr>
-            <a:spLocks noGrp="1"/>
-          </p:cNvSpPr>
-          <p:nvPr>
-            <p:ph idx="1"/>
-          </p:nvPr>
-        </p:nvSpPr>
-        <p:spPr>
-          <a:xfrm>
-            <a:off x="838200" y="1524000"/>
-            <a:ext cx="10515600" cy="4842933"/>
-          </a:xfrm>
-          <a:solidFill>
-            <a:schemeClr val="bg1"/>
-          </a:solidFill>
-        </p:spPr>
-        <p:txBody>
-          <a:bodyPr>
-            <a:normAutofit/>
-          </a:bodyPr>
-          <a:lstStyle/>
-          <a:p>
-            <a:endParaRPr lang="de-CH" sz="3600" dirty="0"/>
-          </a:p>
-          <a:p>
-            <a:r>
-              <a:rPr lang="de-CH" sz="3600" dirty="0"/>
-              <a:t>Offen: gutes </a:t>
-            </a:r>
-            <a:r>
-              <a:rPr lang="de-CH" sz="3600" dirty="0" err="1"/>
-              <a:t>Logging</a:t>
-            </a:r>
-            <a:r>
-              <a:rPr lang="de-CH" sz="3600" dirty="0"/>
-              <a:t> von Fehlern #61</a:t>
-            </a:r>
-          </a:p>
-          <a:p>
-            <a:r>
-              <a:rPr lang="de-CH" sz="3600" dirty="0"/>
-              <a:t>Fahrzeug: noch kleine Fehler</a:t>
-            </a:r>
-            <a:endParaRPr lang="de-CH" sz="3200" dirty="0"/>
-          </a:p>
-          <a:p>
-            <a:endParaRPr lang="de-CH" sz="3600" dirty="0"/>
           </a:p>
         </p:txBody>
       </p:sp>
@@ -5847,6 +5953,259 @@
           </a:prstGeom>
         </p:spPr>
       </p:pic>
+      <p:sp>
+        <p:nvSpPr>
+          <p:cNvPr id="6" name="Content Placeholder 5">
+            <a:extLst>
+              <a:ext uri="{FF2B5EF4-FFF2-40B4-BE49-F238E27FC236}">
+                <a16:creationId xmlns:a16="http://schemas.microsoft.com/office/drawing/2014/main" id="{766679C0-8112-463D-AC00-BAD5E93F4814}"/>
+              </a:ext>
+            </a:extLst>
+          </p:cNvPr>
+          <p:cNvSpPr>
+            <a:spLocks noGrp="1"/>
+          </p:cNvSpPr>
+          <p:nvPr>
+            <p:ph idx="1"/>
+          </p:nvPr>
+        </p:nvSpPr>
+        <p:spPr/>
+        <p:txBody>
+          <a:bodyPr/>
+          <a:lstStyle/>
+          <a:p>
+            <a:endParaRPr lang="en-US"/>
+          </a:p>
+        </p:txBody>
+      </p:sp>
+      <p:sp>
+        <p:nvSpPr>
+          <p:cNvPr id="7" name="Inhaltsplatzhalter 2">
+            <a:extLst>
+              <a:ext uri="{FF2B5EF4-FFF2-40B4-BE49-F238E27FC236}">
+                <a16:creationId xmlns:a16="http://schemas.microsoft.com/office/drawing/2014/main" id="{0D9830EE-BC8B-49F9-B46C-381802CD0064}"/>
+              </a:ext>
+            </a:extLst>
+          </p:cNvPr>
+          <p:cNvSpPr txBox="1">
+            <a:spLocks/>
+          </p:cNvSpPr>
+          <p:nvPr/>
+        </p:nvSpPr>
+        <p:spPr>
+          <a:xfrm>
+            <a:off x="-48861" y="1524000"/>
+            <a:ext cx="12333930" cy="5567835"/>
+          </a:xfrm>
+          <a:prstGeom prst="rect">
+            <a:avLst/>
+          </a:prstGeom>
+          <a:solidFill>
+            <a:schemeClr val="bg1"/>
+          </a:solidFill>
+        </p:spPr>
+        <p:txBody>
+          <a:bodyPr vert="horz" lIns="91440" tIns="45720" rIns="91440" bIns="45720" rtlCol="0">
+            <a:normAutofit/>
+          </a:bodyPr>
+          <a:lstStyle>
+            <a:lvl1pPr marL="228600" indent="-228600" algn="l" defTabSz="914400" rtl="0" eaLnBrk="1" latinLnBrk="0" hangingPunct="1">
+              <a:lnSpc>
+                <a:spcPct val="90000"/>
+              </a:lnSpc>
+              <a:spcBef>
+                <a:spcPts val="1000"/>
+              </a:spcBef>
+              <a:buFont typeface="Arial" panose="020B0604020202020204" pitchFamily="34" charset="0"/>
+              <a:buChar char="•"/>
+              <a:defRPr sz="2800" kern="1200">
+                <a:solidFill>
+                  <a:schemeClr val="tx1"/>
+                </a:solidFill>
+                <a:latin typeface="+mn-lt"/>
+                <a:ea typeface="+mn-ea"/>
+                <a:cs typeface="+mn-cs"/>
+              </a:defRPr>
+            </a:lvl1pPr>
+            <a:lvl2pPr marL="685800" indent="-228600" algn="l" defTabSz="914400" rtl="0" eaLnBrk="1" latinLnBrk="0" hangingPunct="1">
+              <a:lnSpc>
+                <a:spcPct val="90000"/>
+              </a:lnSpc>
+              <a:spcBef>
+                <a:spcPts val="500"/>
+              </a:spcBef>
+              <a:buFont typeface="Arial" panose="020B0604020202020204" pitchFamily="34" charset="0"/>
+              <a:buChar char="•"/>
+              <a:defRPr sz="2400" kern="1200">
+                <a:solidFill>
+                  <a:schemeClr val="tx1"/>
+                </a:solidFill>
+                <a:latin typeface="+mn-lt"/>
+                <a:ea typeface="+mn-ea"/>
+                <a:cs typeface="+mn-cs"/>
+              </a:defRPr>
+            </a:lvl2pPr>
+            <a:lvl3pPr marL="1143000" indent="-228600" algn="l" defTabSz="914400" rtl="0" eaLnBrk="1" latinLnBrk="0" hangingPunct="1">
+              <a:lnSpc>
+                <a:spcPct val="90000"/>
+              </a:lnSpc>
+              <a:spcBef>
+                <a:spcPts val="500"/>
+              </a:spcBef>
+              <a:buFont typeface="Arial" panose="020B0604020202020204" pitchFamily="34" charset="0"/>
+              <a:buChar char="•"/>
+              <a:defRPr sz="2000" kern="1200">
+                <a:solidFill>
+                  <a:schemeClr val="tx1"/>
+                </a:solidFill>
+                <a:latin typeface="+mn-lt"/>
+                <a:ea typeface="+mn-ea"/>
+                <a:cs typeface="+mn-cs"/>
+              </a:defRPr>
+            </a:lvl3pPr>
+            <a:lvl4pPr marL="1600200" indent="-228600" algn="l" defTabSz="914400" rtl="0" eaLnBrk="1" latinLnBrk="0" hangingPunct="1">
+              <a:lnSpc>
+                <a:spcPct val="90000"/>
+              </a:lnSpc>
+              <a:spcBef>
+                <a:spcPts val="500"/>
+              </a:spcBef>
+              <a:buFont typeface="Arial" panose="020B0604020202020204" pitchFamily="34" charset="0"/>
+              <a:buChar char="•"/>
+              <a:defRPr sz="1800" kern="1200">
+                <a:solidFill>
+                  <a:schemeClr val="tx1"/>
+                </a:solidFill>
+                <a:latin typeface="+mn-lt"/>
+                <a:ea typeface="+mn-ea"/>
+                <a:cs typeface="+mn-cs"/>
+              </a:defRPr>
+            </a:lvl4pPr>
+            <a:lvl5pPr marL="2057400" indent="-228600" algn="l" defTabSz="914400" rtl="0" eaLnBrk="1" latinLnBrk="0" hangingPunct="1">
+              <a:lnSpc>
+                <a:spcPct val="90000"/>
+              </a:lnSpc>
+              <a:spcBef>
+                <a:spcPts val="500"/>
+              </a:spcBef>
+              <a:buFont typeface="Arial" panose="020B0604020202020204" pitchFamily="34" charset="0"/>
+              <a:buChar char="•"/>
+              <a:defRPr sz="1800" kern="1200">
+                <a:solidFill>
+                  <a:schemeClr val="tx1"/>
+                </a:solidFill>
+                <a:latin typeface="+mn-lt"/>
+                <a:ea typeface="+mn-ea"/>
+                <a:cs typeface="+mn-cs"/>
+              </a:defRPr>
+            </a:lvl5pPr>
+            <a:lvl6pPr marL="2514600" indent="-228600" algn="l" defTabSz="914400" rtl="0" eaLnBrk="1" latinLnBrk="0" hangingPunct="1">
+              <a:lnSpc>
+                <a:spcPct val="90000"/>
+              </a:lnSpc>
+              <a:spcBef>
+                <a:spcPts val="500"/>
+              </a:spcBef>
+              <a:buFont typeface="Arial" panose="020B0604020202020204" pitchFamily="34" charset="0"/>
+              <a:buChar char="•"/>
+              <a:defRPr sz="1800" kern="1200">
+                <a:solidFill>
+                  <a:schemeClr val="tx1"/>
+                </a:solidFill>
+                <a:latin typeface="+mn-lt"/>
+                <a:ea typeface="+mn-ea"/>
+                <a:cs typeface="+mn-cs"/>
+              </a:defRPr>
+            </a:lvl6pPr>
+            <a:lvl7pPr marL="2971800" indent="-228600" algn="l" defTabSz="914400" rtl="0" eaLnBrk="1" latinLnBrk="0" hangingPunct="1">
+              <a:lnSpc>
+                <a:spcPct val="90000"/>
+              </a:lnSpc>
+              <a:spcBef>
+                <a:spcPts val="500"/>
+              </a:spcBef>
+              <a:buFont typeface="Arial" panose="020B0604020202020204" pitchFamily="34" charset="0"/>
+              <a:buChar char="•"/>
+              <a:defRPr sz="1800" kern="1200">
+                <a:solidFill>
+                  <a:schemeClr val="tx1"/>
+                </a:solidFill>
+                <a:latin typeface="+mn-lt"/>
+                <a:ea typeface="+mn-ea"/>
+                <a:cs typeface="+mn-cs"/>
+              </a:defRPr>
+            </a:lvl7pPr>
+            <a:lvl8pPr marL="3429000" indent="-228600" algn="l" defTabSz="914400" rtl="0" eaLnBrk="1" latinLnBrk="0" hangingPunct="1">
+              <a:lnSpc>
+                <a:spcPct val="90000"/>
+              </a:lnSpc>
+              <a:spcBef>
+                <a:spcPts val="500"/>
+              </a:spcBef>
+              <a:buFont typeface="Arial" panose="020B0604020202020204" pitchFamily="34" charset="0"/>
+              <a:buChar char="•"/>
+              <a:defRPr sz="1800" kern="1200">
+                <a:solidFill>
+                  <a:schemeClr val="tx1"/>
+                </a:solidFill>
+                <a:latin typeface="+mn-lt"/>
+                <a:ea typeface="+mn-ea"/>
+                <a:cs typeface="+mn-cs"/>
+              </a:defRPr>
+            </a:lvl8pPr>
+            <a:lvl9pPr marL="3886200" indent="-228600" algn="l" defTabSz="914400" rtl="0" eaLnBrk="1" latinLnBrk="0" hangingPunct="1">
+              <a:lnSpc>
+                <a:spcPct val="90000"/>
+              </a:lnSpc>
+              <a:spcBef>
+                <a:spcPts val="500"/>
+              </a:spcBef>
+              <a:buFont typeface="Arial" panose="020B0604020202020204" pitchFamily="34" charset="0"/>
+              <a:buChar char="•"/>
+              <a:defRPr sz="1800" kern="1200">
+                <a:solidFill>
+                  <a:schemeClr val="tx1"/>
+                </a:solidFill>
+                <a:latin typeface="+mn-lt"/>
+                <a:ea typeface="+mn-ea"/>
+                <a:cs typeface="+mn-cs"/>
+              </a:defRPr>
+            </a:lvl9pPr>
+          </a:lstStyle>
+          <a:p>
+            <a:endParaRPr lang="de-CH" sz="3600" dirty="0">
+              <a:latin typeface="Myriad Pro" panose="020B0503030403020204" pitchFamily="34" charset="0"/>
+            </a:endParaRPr>
+          </a:p>
+          <a:p>
+            <a:pPr marL="1657350" lvl="2" indent="-742950">
+              <a:buFont typeface="+mj-lt"/>
+              <a:buAutoNum type="arabicParenBoth"/>
+            </a:pPr>
+            <a:r>
+              <a:rPr lang="de-CH" sz="800" dirty="0">
+                <a:solidFill>
+                  <a:schemeClr val="bg1"/>
+                </a:solidFill>
+                <a:latin typeface="Myriad Pro" panose="020B0503030403020204" pitchFamily="34" charset="0"/>
+              </a:rPr>
+              <a:t>- </a:t>
+            </a:r>
+          </a:p>
+          <a:p>
+            <a:pPr marL="914400" lvl="2" indent="0">
+              <a:buFont typeface="Arial" panose="020B0604020202020204" pitchFamily="34" charset="0"/>
+              <a:buNone/>
+            </a:pPr>
+            <a:r>
+              <a:rPr lang="de-CH" sz="4000" dirty="0">
+                <a:latin typeface="Myriad Pro" panose="020B0503030403020204" pitchFamily="34" charset="0"/>
+              </a:rPr>
+              <a:t>Meilenstein 3 umgesetzt!</a:t>
+            </a:r>
+          </a:p>
+        </p:txBody>
+      </p:sp>
     </p:spTree>
     <p:extLst>
       <p:ext uri="{BB962C8B-B14F-4D97-AF65-F5344CB8AC3E}">
@@ -5857,6 +6216,9 @@
   <p:clrMapOvr>
     <a:masterClrMapping/>
   </p:clrMapOvr>
+  <p:transition>
+    <p:push dir="u"/>
+  </p:transition>
 </p:sld>
 </file>
 
@@ -5918,6 +6280,7 @@
                 <a:solidFill>
                   <a:schemeClr val="bg1"/>
                 </a:solidFill>
+                <a:latin typeface="Myriad Pro" panose="020B0503030403020204" pitchFamily="34" charset="0"/>
               </a:rPr>
               <a:t>Stand des Projektes</a:t>
             </a:r>
@@ -6019,6 +6382,258 @@
           </a:prstGeom>
         </p:spPr>
       </p:pic>
+      <p:sp>
+        <p:nvSpPr>
+          <p:cNvPr id="6" name="Inhaltsplatzhalter 2">
+            <a:extLst>
+              <a:ext uri="{FF2B5EF4-FFF2-40B4-BE49-F238E27FC236}">
+                <a16:creationId xmlns:a16="http://schemas.microsoft.com/office/drawing/2014/main" id="{5B1E7FA5-870C-4F75-8026-4D87B34F3458}"/>
+              </a:ext>
+            </a:extLst>
+          </p:cNvPr>
+          <p:cNvSpPr txBox="1">
+            <a:spLocks/>
+          </p:cNvSpPr>
+          <p:nvPr/>
+        </p:nvSpPr>
+        <p:spPr>
+          <a:xfrm>
+            <a:off x="-48861" y="1524000"/>
+            <a:ext cx="12333930" cy="5567835"/>
+          </a:xfrm>
+          <a:prstGeom prst="rect">
+            <a:avLst/>
+          </a:prstGeom>
+          <a:solidFill>
+            <a:schemeClr val="bg1"/>
+          </a:solidFill>
+        </p:spPr>
+        <p:txBody>
+          <a:bodyPr vert="horz" lIns="91440" tIns="45720" rIns="91440" bIns="45720" rtlCol="0">
+            <a:normAutofit/>
+          </a:bodyPr>
+          <a:lstStyle>
+            <a:lvl1pPr marL="228600" indent="-228600" algn="l" defTabSz="914400" rtl="0" eaLnBrk="1" latinLnBrk="0" hangingPunct="1">
+              <a:lnSpc>
+                <a:spcPct val="90000"/>
+              </a:lnSpc>
+              <a:spcBef>
+                <a:spcPts val="1000"/>
+              </a:spcBef>
+              <a:buFont typeface="Arial" panose="020B0604020202020204" pitchFamily="34" charset="0"/>
+              <a:buChar char="•"/>
+              <a:defRPr sz="2800" kern="1200">
+                <a:solidFill>
+                  <a:schemeClr val="tx1"/>
+                </a:solidFill>
+                <a:latin typeface="+mn-lt"/>
+                <a:ea typeface="+mn-ea"/>
+                <a:cs typeface="+mn-cs"/>
+              </a:defRPr>
+            </a:lvl1pPr>
+            <a:lvl2pPr marL="685800" indent="-228600" algn="l" defTabSz="914400" rtl="0" eaLnBrk="1" latinLnBrk="0" hangingPunct="1">
+              <a:lnSpc>
+                <a:spcPct val="90000"/>
+              </a:lnSpc>
+              <a:spcBef>
+                <a:spcPts val="500"/>
+              </a:spcBef>
+              <a:buFont typeface="Arial" panose="020B0604020202020204" pitchFamily="34" charset="0"/>
+              <a:buChar char="•"/>
+              <a:defRPr sz="2400" kern="1200">
+                <a:solidFill>
+                  <a:schemeClr val="tx1"/>
+                </a:solidFill>
+                <a:latin typeface="+mn-lt"/>
+                <a:ea typeface="+mn-ea"/>
+                <a:cs typeface="+mn-cs"/>
+              </a:defRPr>
+            </a:lvl2pPr>
+            <a:lvl3pPr marL="1143000" indent="-228600" algn="l" defTabSz="914400" rtl="0" eaLnBrk="1" latinLnBrk="0" hangingPunct="1">
+              <a:lnSpc>
+                <a:spcPct val="90000"/>
+              </a:lnSpc>
+              <a:spcBef>
+                <a:spcPts val="500"/>
+              </a:spcBef>
+              <a:buFont typeface="Arial" panose="020B0604020202020204" pitchFamily="34" charset="0"/>
+              <a:buChar char="•"/>
+              <a:defRPr sz="2000" kern="1200">
+                <a:solidFill>
+                  <a:schemeClr val="tx1"/>
+                </a:solidFill>
+                <a:latin typeface="+mn-lt"/>
+                <a:ea typeface="+mn-ea"/>
+                <a:cs typeface="+mn-cs"/>
+              </a:defRPr>
+            </a:lvl3pPr>
+            <a:lvl4pPr marL="1600200" indent="-228600" algn="l" defTabSz="914400" rtl="0" eaLnBrk="1" latinLnBrk="0" hangingPunct="1">
+              <a:lnSpc>
+                <a:spcPct val="90000"/>
+              </a:lnSpc>
+              <a:spcBef>
+                <a:spcPts val="500"/>
+              </a:spcBef>
+              <a:buFont typeface="Arial" panose="020B0604020202020204" pitchFamily="34" charset="0"/>
+              <a:buChar char="•"/>
+              <a:defRPr sz="1800" kern="1200">
+                <a:solidFill>
+                  <a:schemeClr val="tx1"/>
+                </a:solidFill>
+                <a:latin typeface="+mn-lt"/>
+                <a:ea typeface="+mn-ea"/>
+                <a:cs typeface="+mn-cs"/>
+              </a:defRPr>
+            </a:lvl4pPr>
+            <a:lvl5pPr marL="2057400" indent="-228600" algn="l" defTabSz="914400" rtl="0" eaLnBrk="1" latinLnBrk="0" hangingPunct="1">
+              <a:lnSpc>
+                <a:spcPct val="90000"/>
+              </a:lnSpc>
+              <a:spcBef>
+                <a:spcPts val="500"/>
+              </a:spcBef>
+              <a:buFont typeface="Arial" panose="020B0604020202020204" pitchFamily="34" charset="0"/>
+              <a:buChar char="•"/>
+              <a:defRPr sz="1800" kern="1200">
+                <a:solidFill>
+                  <a:schemeClr val="tx1"/>
+                </a:solidFill>
+                <a:latin typeface="+mn-lt"/>
+                <a:ea typeface="+mn-ea"/>
+                <a:cs typeface="+mn-cs"/>
+              </a:defRPr>
+            </a:lvl5pPr>
+            <a:lvl6pPr marL="2514600" indent="-228600" algn="l" defTabSz="914400" rtl="0" eaLnBrk="1" latinLnBrk="0" hangingPunct="1">
+              <a:lnSpc>
+                <a:spcPct val="90000"/>
+              </a:lnSpc>
+              <a:spcBef>
+                <a:spcPts val="500"/>
+              </a:spcBef>
+              <a:buFont typeface="Arial" panose="020B0604020202020204" pitchFamily="34" charset="0"/>
+              <a:buChar char="•"/>
+              <a:defRPr sz="1800" kern="1200">
+                <a:solidFill>
+                  <a:schemeClr val="tx1"/>
+                </a:solidFill>
+                <a:latin typeface="+mn-lt"/>
+                <a:ea typeface="+mn-ea"/>
+                <a:cs typeface="+mn-cs"/>
+              </a:defRPr>
+            </a:lvl6pPr>
+            <a:lvl7pPr marL="2971800" indent="-228600" algn="l" defTabSz="914400" rtl="0" eaLnBrk="1" latinLnBrk="0" hangingPunct="1">
+              <a:lnSpc>
+                <a:spcPct val="90000"/>
+              </a:lnSpc>
+              <a:spcBef>
+                <a:spcPts val="500"/>
+              </a:spcBef>
+              <a:buFont typeface="Arial" panose="020B0604020202020204" pitchFamily="34" charset="0"/>
+              <a:buChar char="•"/>
+              <a:defRPr sz="1800" kern="1200">
+                <a:solidFill>
+                  <a:schemeClr val="tx1"/>
+                </a:solidFill>
+                <a:latin typeface="+mn-lt"/>
+                <a:ea typeface="+mn-ea"/>
+                <a:cs typeface="+mn-cs"/>
+              </a:defRPr>
+            </a:lvl7pPr>
+            <a:lvl8pPr marL="3429000" indent="-228600" algn="l" defTabSz="914400" rtl="0" eaLnBrk="1" latinLnBrk="0" hangingPunct="1">
+              <a:lnSpc>
+                <a:spcPct val="90000"/>
+              </a:lnSpc>
+              <a:spcBef>
+                <a:spcPts val="500"/>
+              </a:spcBef>
+              <a:buFont typeface="Arial" panose="020B0604020202020204" pitchFamily="34" charset="0"/>
+              <a:buChar char="•"/>
+              <a:defRPr sz="1800" kern="1200">
+                <a:solidFill>
+                  <a:schemeClr val="tx1"/>
+                </a:solidFill>
+                <a:latin typeface="+mn-lt"/>
+                <a:ea typeface="+mn-ea"/>
+                <a:cs typeface="+mn-cs"/>
+              </a:defRPr>
+            </a:lvl8pPr>
+            <a:lvl9pPr marL="3886200" indent="-228600" algn="l" defTabSz="914400" rtl="0" eaLnBrk="1" latinLnBrk="0" hangingPunct="1">
+              <a:lnSpc>
+                <a:spcPct val="90000"/>
+              </a:lnSpc>
+              <a:spcBef>
+                <a:spcPts val="500"/>
+              </a:spcBef>
+              <a:buFont typeface="Arial" panose="020B0604020202020204" pitchFamily="34" charset="0"/>
+              <a:buChar char="•"/>
+              <a:defRPr sz="1800" kern="1200">
+                <a:solidFill>
+                  <a:schemeClr val="tx1"/>
+                </a:solidFill>
+                <a:latin typeface="+mn-lt"/>
+                <a:ea typeface="+mn-ea"/>
+                <a:cs typeface="+mn-cs"/>
+              </a:defRPr>
+            </a:lvl9pPr>
+          </a:lstStyle>
+          <a:p>
+            <a:endParaRPr lang="de-CH" sz="3600" dirty="0">
+              <a:latin typeface="Myriad Pro" panose="020B0503030403020204" pitchFamily="34" charset="0"/>
+            </a:endParaRPr>
+          </a:p>
+          <a:p>
+            <a:pPr marL="1657350" lvl="2" indent="-742950">
+              <a:buFont typeface="+mj-lt"/>
+              <a:buAutoNum type="arabicParenBoth"/>
+            </a:pPr>
+            <a:r>
+              <a:rPr lang="de-CH" sz="800" dirty="0">
+                <a:solidFill>
+                  <a:schemeClr val="bg1"/>
+                </a:solidFill>
+                <a:latin typeface="Myriad Pro" panose="020B0503030403020204" pitchFamily="34" charset="0"/>
+              </a:rPr>
+              <a:t>- </a:t>
+            </a:r>
+          </a:p>
+          <a:p>
+            <a:pPr lvl="2">
+              <a:buFontTx/>
+              <a:buChar char="-"/>
+            </a:pPr>
+            <a:r>
+              <a:rPr lang="de-CH" sz="4000" dirty="0">
+                <a:latin typeface="Myriad Pro" panose="020B0503030403020204" pitchFamily="34" charset="0"/>
+              </a:rPr>
+              <a:t>Fahrten</a:t>
+            </a:r>
+          </a:p>
+          <a:p>
+            <a:pPr lvl="2">
+              <a:buFontTx/>
+              <a:buChar char="-"/>
+            </a:pPr>
+            <a:r>
+              <a:rPr lang="de-CH" sz="4000" dirty="0">
+                <a:latin typeface="Myriad Pro" panose="020B0503030403020204" pitchFamily="34" charset="0"/>
+              </a:rPr>
+              <a:t>Auswertung</a:t>
+            </a:r>
+          </a:p>
+          <a:p>
+            <a:pPr lvl="2">
+              <a:buFontTx/>
+              <a:buChar char="-"/>
+            </a:pPr>
+            <a:r>
+              <a:rPr lang="de-CH" sz="4000" dirty="0">
+                <a:latin typeface="Myriad Pro" panose="020B0503030403020204" pitchFamily="34" charset="0"/>
+              </a:rPr>
+              <a:t>Testing</a:t>
+            </a:r>
+          </a:p>
+        </p:txBody>
+      </p:sp>
     </p:spTree>
     <p:extLst>
       <p:ext uri="{BB962C8B-B14F-4D97-AF65-F5344CB8AC3E}">
@@ -6029,6 +6644,9 @@
   <p:clrMapOvr>
     <a:masterClrMapping/>
   </p:clrMapOvr>
+  <p:transition>
+    <p:push dir="u"/>
+  </p:transition>
 </p:sld>
 </file>
 
@@ -6057,86 +6675,6 @@
           <a:chExt cx="0" cy="0"/>
         </a:xfrm>
       </p:grpSpPr>
-      <p:sp>
-        <p:nvSpPr>
-          <p:cNvPr id="2" name="Titel 1">
-            <a:extLst>
-              <a:ext uri="{FF2B5EF4-FFF2-40B4-BE49-F238E27FC236}">
-                <a16:creationId xmlns:a16="http://schemas.microsoft.com/office/drawing/2014/main" id="{0401B019-F359-4764-A427-8FCE14F81598}"/>
-              </a:ext>
-            </a:extLst>
-          </p:cNvPr>
-          <p:cNvSpPr>
-            <a:spLocks noGrp="1"/>
-          </p:cNvSpPr>
-          <p:nvPr>
-            <p:ph type="title"/>
-          </p:nvPr>
-        </p:nvSpPr>
-        <p:spPr>
-          <a:xfrm>
-            <a:off x="719667" y="135468"/>
-            <a:ext cx="10769600" cy="1266296"/>
-          </a:xfrm>
-        </p:spPr>
-        <p:txBody>
-          <a:bodyPr>
-            <a:normAutofit/>
-          </a:bodyPr>
-          <a:lstStyle/>
-          <a:p>
-            <a:r>
-              <a:rPr lang="de-CH" sz="6000" b="1" dirty="0">
-                <a:solidFill>
-                  <a:schemeClr val="bg1"/>
-                </a:solidFill>
-              </a:rPr>
-              <a:t>Ablauf eines Benutzers</a:t>
-            </a:r>
-          </a:p>
-        </p:txBody>
-      </p:sp>
-      <p:sp>
-        <p:nvSpPr>
-          <p:cNvPr id="3" name="Inhaltsplatzhalter 2">
-            <a:extLst>
-              <a:ext uri="{FF2B5EF4-FFF2-40B4-BE49-F238E27FC236}">
-                <a16:creationId xmlns:a16="http://schemas.microsoft.com/office/drawing/2014/main" id="{D8B19D9F-EE71-4337-A5B0-92F3F6F2E0D7}"/>
-              </a:ext>
-            </a:extLst>
-          </p:cNvPr>
-          <p:cNvSpPr>
-            <a:spLocks noGrp="1"/>
-          </p:cNvSpPr>
-          <p:nvPr>
-            <p:ph idx="1"/>
-          </p:nvPr>
-        </p:nvSpPr>
-        <p:spPr>
-          <a:xfrm>
-            <a:off x="838200" y="1524000"/>
-            <a:ext cx="10515600" cy="4842933"/>
-          </a:xfrm>
-          <a:solidFill>
-            <a:schemeClr val="bg1"/>
-          </a:solidFill>
-        </p:spPr>
-        <p:txBody>
-          <a:bodyPr>
-            <a:normAutofit/>
-          </a:bodyPr>
-          <a:lstStyle/>
-          <a:p>
-            <a:endParaRPr lang="de-CH" sz="3600" dirty="0"/>
-          </a:p>
-          <a:p>
-            <a:r>
-              <a:rPr lang="de-CH" sz="3600" dirty="0"/>
-              <a:t>Live Beispiel</a:t>
-            </a:r>
-          </a:p>
-        </p:txBody>
-      </p:sp>
       <p:pic>
         <p:nvPicPr>
           <p:cNvPr id="5" name="Grafik 4">
@@ -6173,6 +6711,343 @@
           </a:prstGeom>
         </p:spPr>
       </p:pic>
+      <p:sp>
+        <p:nvSpPr>
+          <p:cNvPr id="6" name="Content Placeholder 5">
+            <a:extLst>
+              <a:ext uri="{FF2B5EF4-FFF2-40B4-BE49-F238E27FC236}">
+                <a16:creationId xmlns:a16="http://schemas.microsoft.com/office/drawing/2014/main" id="{EF0E4C4C-27E5-423F-81F6-B3E30AC5BD69}"/>
+              </a:ext>
+            </a:extLst>
+          </p:cNvPr>
+          <p:cNvSpPr>
+            <a:spLocks noGrp="1"/>
+          </p:cNvSpPr>
+          <p:nvPr>
+            <p:ph idx="1"/>
+          </p:nvPr>
+        </p:nvSpPr>
+        <p:spPr/>
+        <p:txBody>
+          <a:bodyPr/>
+          <a:lstStyle/>
+          <a:p>
+            <a:endParaRPr lang="en-US"/>
+          </a:p>
+        </p:txBody>
+      </p:sp>
+      <p:sp>
+        <p:nvSpPr>
+          <p:cNvPr id="7" name="Inhaltsplatzhalter 2">
+            <a:extLst>
+              <a:ext uri="{FF2B5EF4-FFF2-40B4-BE49-F238E27FC236}">
+                <a16:creationId xmlns:a16="http://schemas.microsoft.com/office/drawing/2014/main" id="{DA01F8D5-F09A-42C3-BAB6-B56219B0A7CC}"/>
+              </a:ext>
+            </a:extLst>
+          </p:cNvPr>
+          <p:cNvSpPr txBox="1">
+            <a:spLocks/>
+          </p:cNvSpPr>
+          <p:nvPr/>
+        </p:nvSpPr>
+        <p:spPr>
+          <a:xfrm>
+            <a:off x="-48861" y="1524000"/>
+            <a:ext cx="12333930" cy="5567835"/>
+          </a:xfrm>
+          <a:prstGeom prst="rect">
+            <a:avLst/>
+          </a:prstGeom>
+          <a:solidFill>
+            <a:schemeClr val="bg1"/>
+          </a:solidFill>
+        </p:spPr>
+        <p:txBody>
+          <a:bodyPr vert="horz" lIns="91440" tIns="45720" rIns="91440" bIns="45720" rtlCol="0">
+            <a:normAutofit/>
+          </a:bodyPr>
+          <a:lstStyle>
+            <a:lvl1pPr marL="228600" indent="-228600" algn="l" defTabSz="914400" rtl="0" eaLnBrk="1" latinLnBrk="0" hangingPunct="1">
+              <a:lnSpc>
+                <a:spcPct val="90000"/>
+              </a:lnSpc>
+              <a:spcBef>
+                <a:spcPts val="1000"/>
+              </a:spcBef>
+              <a:buFont typeface="Arial" panose="020B0604020202020204" pitchFamily="34" charset="0"/>
+              <a:buChar char="•"/>
+              <a:defRPr sz="2800" kern="1200">
+                <a:solidFill>
+                  <a:schemeClr val="tx1"/>
+                </a:solidFill>
+                <a:latin typeface="+mn-lt"/>
+                <a:ea typeface="+mn-ea"/>
+                <a:cs typeface="+mn-cs"/>
+              </a:defRPr>
+            </a:lvl1pPr>
+            <a:lvl2pPr marL="685800" indent="-228600" algn="l" defTabSz="914400" rtl="0" eaLnBrk="1" latinLnBrk="0" hangingPunct="1">
+              <a:lnSpc>
+                <a:spcPct val="90000"/>
+              </a:lnSpc>
+              <a:spcBef>
+                <a:spcPts val="500"/>
+              </a:spcBef>
+              <a:buFont typeface="Arial" panose="020B0604020202020204" pitchFamily="34" charset="0"/>
+              <a:buChar char="•"/>
+              <a:defRPr sz="2400" kern="1200">
+                <a:solidFill>
+                  <a:schemeClr val="tx1"/>
+                </a:solidFill>
+                <a:latin typeface="+mn-lt"/>
+                <a:ea typeface="+mn-ea"/>
+                <a:cs typeface="+mn-cs"/>
+              </a:defRPr>
+            </a:lvl2pPr>
+            <a:lvl3pPr marL="1143000" indent="-228600" algn="l" defTabSz="914400" rtl="0" eaLnBrk="1" latinLnBrk="0" hangingPunct="1">
+              <a:lnSpc>
+                <a:spcPct val="90000"/>
+              </a:lnSpc>
+              <a:spcBef>
+                <a:spcPts val="500"/>
+              </a:spcBef>
+              <a:buFont typeface="Arial" panose="020B0604020202020204" pitchFamily="34" charset="0"/>
+              <a:buChar char="•"/>
+              <a:defRPr sz="2000" kern="1200">
+                <a:solidFill>
+                  <a:schemeClr val="tx1"/>
+                </a:solidFill>
+                <a:latin typeface="+mn-lt"/>
+                <a:ea typeface="+mn-ea"/>
+                <a:cs typeface="+mn-cs"/>
+              </a:defRPr>
+            </a:lvl3pPr>
+            <a:lvl4pPr marL="1600200" indent="-228600" algn="l" defTabSz="914400" rtl="0" eaLnBrk="1" latinLnBrk="0" hangingPunct="1">
+              <a:lnSpc>
+                <a:spcPct val="90000"/>
+              </a:lnSpc>
+              <a:spcBef>
+                <a:spcPts val="500"/>
+              </a:spcBef>
+              <a:buFont typeface="Arial" panose="020B0604020202020204" pitchFamily="34" charset="0"/>
+              <a:buChar char="•"/>
+              <a:defRPr sz="1800" kern="1200">
+                <a:solidFill>
+                  <a:schemeClr val="tx1"/>
+                </a:solidFill>
+                <a:latin typeface="+mn-lt"/>
+                <a:ea typeface="+mn-ea"/>
+                <a:cs typeface="+mn-cs"/>
+              </a:defRPr>
+            </a:lvl4pPr>
+            <a:lvl5pPr marL="2057400" indent="-228600" algn="l" defTabSz="914400" rtl="0" eaLnBrk="1" latinLnBrk="0" hangingPunct="1">
+              <a:lnSpc>
+                <a:spcPct val="90000"/>
+              </a:lnSpc>
+              <a:spcBef>
+                <a:spcPts val="500"/>
+              </a:spcBef>
+              <a:buFont typeface="Arial" panose="020B0604020202020204" pitchFamily="34" charset="0"/>
+              <a:buChar char="•"/>
+              <a:defRPr sz="1800" kern="1200">
+                <a:solidFill>
+                  <a:schemeClr val="tx1"/>
+                </a:solidFill>
+                <a:latin typeface="+mn-lt"/>
+                <a:ea typeface="+mn-ea"/>
+                <a:cs typeface="+mn-cs"/>
+              </a:defRPr>
+            </a:lvl5pPr>
+            <a:lvl6pPr marL="2514600" indent="-228600" algn="l" defTabSz="914400" rtl="0" eaLnBrk="1" latinLnBrk="0" hangingPunct="1">
+              <a:lnSpc>
+                <a:spcPct val="90000"/>
+              </a:lnSpc>
+              <a:spcBef>
+                <a:spcPts val="500"/>
+              </a:spcBef>
+              <a:buFont typeface="Arial" panose="020B0604020202020204" pitchFamily="34" charset="0"/>
+              <a:buChar char="•"/>
+              <a:defRPr sz="1800" kern="1200">
+                <a:solidFill>
+                  <a:schemeClr val="tx1"/>
+                </a:solidFill>
+                <a:latin typeface="+mn-lt"/>
+                <a:ea typeface="+mn-ea"/>
+                <a:cs typeface="+mn-cs"/>
+              </a:defRPr>
+            </a:lvl6pPr>
+            <a:lvl7pPr marL="2971800" indent="-228600" algn="l" defTabSz="914400" rtl="0" eaLnBrk="1" latinLnBrk="0" hangingPunct="1">
+              <a:lnSpc>
+                <a:spcPct val="90000"/>
+              </a:lnSpc>
+              <a:spcBef>
+                <a:spcPts val="500"/>
+              </a:spcBef>
+              <a:buFont typeface="Arial" panose="020B0604020202020204" pitchFamily="34" charset="0"/>
+              <a:buChar char="•"/>
+              <a:defRPr sz="1800" kern="1200">
+                <a:solidFill>
+                  <a:schemeClr val="tx1"/>
+                </a:solidFill>
+                <a:latin typeface="+mn-lt"/>
+                <a:ea typeface="+mn-ea"/>
+                <a:cs typeface="+mn-cs"/>
+              </a:defRPr>
+            </a:lvl7pPr>
+            <a:lvl8pPr marL="3429000" indent="-228600" algn="l" defTabSz="914400" rtl="0" eaLnBrk="1" latinLnBrk="0" hangingPunct="1">
+              <a:lnSpc>
+                <a:spcPct val="90000"/>
+              </a:lnSpc>
+              <a:spcBef>
+                <a:spcPts val="500"/>
+              </a:spcBef>
+              <a:buFont typeface="Arial" panose="020B0604020202020204" pitchFamily="34" charset="0"/>
+              <a:buChar char="•"/>
+              <a:defRPr sz="1800" kern="1200">
+                <a:solidFill>
+                  <a:schemeClr val="tx1"/>
+                </a:solidFill>
+                <a:latin typeface="+mn-lt"/>
+                <a:ea typeface="+mn-ea"/>
+                <a:cs typeface="+mn-cs"/>
+              </a:defRPr>
+            </a:lvl8pPr>
+            <a:lvl9pPr marL="3886200" indent="-228600" algn="l" defTabSz="914400" rtl="0" eaLnBrk="1" latinLnBrk="0" hangingPunct="1">
+              <a:lnSpc>
+                <a:spcPct val="90000"/>
+              </a:lnSpc>
+              <a:spcBef>
+                <a:spcPts val="500"/>
+              </a:spcBef>
+              <a:buFont typeface="Arial" panose="020B0604020202020204" pitchFamily="34" charset="0"/>
+              <a:buChar char="•"/>
+              <a:defRPr sz="1800" kern="1200">
+                <a:solidFill>
+                  <a:schemeClr val="tx1"/>
+                </a:solidFill>
+                <a:latin typeface="+mn-lt"/>
+                <a:ea typeface="+mn-ea"/>
+                <a:cs typeface="+mn-cs"/>
+              </a:defRPr>
+            </a:lvl9pPr>
+          </a:lstStyle>
+          <a:p>
+            <a:endParaRPr lang="de-CH" sz="3600" dirty="0"/>
+          </a:p>
+          <a:p>
+            <a:pPr marL="1657350" lvl="2" indent="-742950">
+              <a:buFont typeface="+mj-lt"/>
+              <a:buAutoNum type="arabicParenBoth"/>
+            </a:pPr>
+            <a:r>
+              <a:rPr lang="de-CH" sz="800" dirty="0">
+                <a:solidFill>
+                  <a:schemeClr val="bg1"/>
+                </a:solidFill>
+              </a:rPr>
+              <a:t>- </a:t>
+            </a:r>
+          </a:p>
+          <a:p>
+            <a:pPr marL="914400" lvl="2" indent="0">
+              <a:buFont typeface="Arial" panose="020B0604020202020204" pitchFamily="34" charset="0"/>
+              <a:buNone/>
+            </a:pPr>
+            <a:endParaRPr lang="de-CH" sz="4000" dirty="0"/>
+          </a:p>
+        </p:txBody>
+      </p:sp>
+      <p:sp>
+        <p:nvSpPr>
+          <p:cNvPr id="8" name="Rectangle 7">
+            <a:extLst>
+              <a:ext uri="{FF2B5EF4-FFF2-40B4-BE49-F238E27FC236}">
+                <a16:creationId xmlns:a16="http://schemas.microsoft.com/office/drawing/2014/main" id="{1A1AC505-C029-4BB4-8263-A87EB512305A}"/>
+              </a:ext>
+            </a:extLst>
+          </p:cNvPr>
+          <p:cNvSpPr/>
+          <p:nvPr/>
+        </p:nvSpPr>
+        <p:spPr>
+          <a:xfrm>
+            <a:off x="-456112" y="1440184"/>
+            <a:ext cx="13426764" cy="5982592"/>
+          </a:xfrm>
+          <a:prstGeom prst="rect">
+            <a:avLst/>
+          </a:prstGeom>
+          <a:solidFill>
+            <a:srgbClr val="4063B4"/>
+          </a:solidFill>
+          <a:ln>
+            <a:noFill/>
+          </a:ln>
+        </p:spPr>
+        <p:style>
+          <a:lnRef idx="2">
+            <a:schemeClr val="accent1">
+              <a:shade val="50000"/>
+            </a:schemeClr>
+          </a:lnRef>
+          <a:fillRef idx="1">
+            <a:schemeClr val="accent1"/>
+          </a:fillRef>
+          <a:effectRef idx="0">
+            <a:schemeClr val="accent1"/>
+          </a:effectRef>
+          <a:fontRef idx="minor">
+            <a:schemeClr val="lt1"/>
+          </a:fontRef>
+        </p:style>
+        <p:txBody>
+          <a:bodyPr rtlCol="0" anchor="ctr"/>
+          <a:lstStyle/>
+          <a:p>
+            <a:pPr algn="ctr"/>
+            <a:endParaRPr lang="en-US"/>
+          </a:p>
+        </p:txBody>
+      </p:sp>
+      <p:sp>
+        <p:nvSpPr>
+          <p:cNvPr id="2" name="Titel 1">
+            <a:extLst>
+              <a:ext uri="{FF2B5EF4-FFF2-40B4-BE49-F238E27FC236}">
+                <a16:creationId xmlns:a16="http://schemas.microsoft.com/office/drawing/2014/main" id="{0401B019-F359-4764-A427-8FCE14F81598}"/>
+              </a:ext>
+            </a:extLst>
+          </p:cNvPr>
+          <p:cNvSpPr>
+            <a:spLocks noGrp="1"/>
+          </p:cNvSpPr>
+          <p:nvPr>
+            <p:ph type="title"/>
+          </p:nvPr>
+        </p:nvSpPr>
+        <p:spPr>
+          <a:xfrm>
+            <a:off x="4673683" y="2795733"/>
+            <a:ext cx="3119568" cy="1266296"/>
+          </a:xfrm>
+        </p:spPr>
+        <p:txBody>
+          <a:bodyPr>
+            <a:normAutofit fontScale="90000"/>
+          </a:bodyPr>
+          <a:lstStyle/>
+          <a:p>
+            <a:r>
+              <a:rPr lang="de-CH" sz="6000" b="1" dirty="0">
+                <a:solidFill>
+                  <a:schemeClr val="bg1"/>
+                </a:solidFill>
+                <a:latin typeface="Myriad Pro" panose="020B0503030403020204" pitchFamily="34" charset="0"/>
+              </a:rPr>
+              <a:t>Use Case</a:t>
+            </a:r>
+          </a:p>
+        </p:txBody>
+      </p:sp>
     </p:spTree>
     <p:extLst>
       <p:ext uri="{BB962C8B-B14F-4D97-AF65-F5344CB8AC3E}">
@@ -6183,6 +7058,9 @@
   <p:clrMapOvr>
     <a:masterClrMapping/>
   </p:clrMapOvr>
+  <p:transition>
+    <p:push dir="u"/>
+  </p:transition>
 </p:sld>
 </file>
 
@@ -6244,69 +7122,9 @@
                 <a:solidFill>
                   <a:schemeClr val="bg1"/>
                 </a:solidFill>
+                <a:latin typeface="Myriad Pro" panose="020B0503030403020204" pitchFamily="34" charset="0"/>
               </a:rPr>
               <a:t>Ausblick und Pendenzen</a:t>
-            </a:r>
-          </a:p>
-        </p:txBody>
-      </p:sp>
-      <p:sp>
-        <p:nvSpPr>
-          <p:cNvPr id="3" name="Inhaltsplatzhalter 2">
-            <a:extLst>
-              <a:ext uri="{FF2B5EF4-FFF2-40B4-BE49-F238E27FC236}">
-                <a16:creationId xmlns:a16="http://schemas.microsoft.com/office/drawing/2014/main" id="{D8B19D9F-EE71-4337-A5B0-92F3F6F2E0D7}"/>
-              </a:ext>
-            </a:extLst>
-          </p:cNvPr>
-          <p:cNvSpPr>
-            <a:spLocks noGrp="1"/>
-          </p:cNvSpPr>
-          <p:nvPr>
-            <p:ph idx="1"/>
-          </p:nvPr>
-        </p:nvSpPr>
-        <p:spPr>
-          <a:xfrm>
-            <a:off x="838200" y="1524000"/>
-            <a:ext cx="10515600" cy="4842933"/>
-          </a:xfrm>
-          <a:solidFill>
-            <a:schemeClr val="bg1"/>
-          </a:solidFill>
-        </p:spPr>
-        <p:txBody>
-          <a:bodyPr>
-            <a:normAutofit/>
-          </a:bodyPr>
-          <a:lstStyle/>
-          <a:p>
-            <a:endParaRPr lang="de-CH" sz="3600" dirty="0"/>
-          </a:p>
-          <a:p>
-            <a:r>
-              <a:rPr lang="de-CH" sz="3600" dirty="0"/>
-              <a:t>Meilenstein 3 – Sitzungsleiter Fabian Wipf</a:t>
-            </a:r>
-          </a:p>
-          <a:p>
-            <a:pPr lvl="1"/>
-            <a:r>
-              <a:rPr lang="de-CH" sz="3200" dirty="0"/>
-              <a:t>Fahrt starten/stoppen.</a:t>
-            </a:r>
-          </a:p>
-          <a:p>
-            <a:pPr lvl="1"/>
-            <a:r>
-              <a:rPr lang="de-CH" sz="3200" dirty="0"/>
-              <a:t>Auswertung</a:t>
-            </a:r>
-          </a:p>
-          <a:p>
-            <a:r>
-              <a:rPr lang="de-CH" sz="3600" dirty="0"/>
-              <a:t>Grundprojekt fertig</a:t>
             </a:r>
           </a:p>
         </p:txBody>
@@ -6347,6 +7165,279 @@
           </a:prstGeom>
         </p:spPr>
       </p:pic>
+      <p:sp>
+        <p:nvSpPr>
+          <p:cNvPr id="6" name="Inhaltsplatzhalter 2">
+            <a:extLst>
+              <a:ext uri="{FF2B5EF4-FFF2-40B4-BE49-F238E27FC236}">
+                <a16:creationId xmlns:a16="http://schemas.microsoft.com/office/drawing/2014/main" id="{4E081293-B4F6-4746-A1A5-2C90BD979761}"/>
+              </a:ext>
+            </a:extLst>
+          </p:cNvPr>
+          <p:cNvSpPr txBox="1">
+            <a:spLocks/>
+          </p:cNvSpPr>
+          <p:nvPr/>
+        </p:nvSpPr>
+        <p:spPr>
+          <a:xfrm>
+            <a:off x="-48861" y="1524000"/>
+            <a:ext cx="12333930" cy="5567835"/>
+          </a:xfrm>
+          <a:prstGeom prst="rect">
+            <a:avLst/>
+          </a:prstGeom>
+          <a:solidFill>
+            <a:schemeClr val="bg1"/>
+          </a:solidFill>
+        </p:spPr>
+        <p:txBody>
+          <a:bodyPr vert="horz" lIns="91440" tIns="45720" rIns="91440" bIns="45720" rtlCol="0">
+            <a:normAutofit/>
+          </a:bodyPr>
+          <a:lstStyle>
+            <a:lvl1pPr marL="228600" indent="-228600" algn="l" defTabSz="914400" rtl="0" eaLnBrk="1" latinLnBrk="0" hangingPunct="1">
+              <a:lnSpc>
+                <a:spcPct val="90000"/>
+              </a:lnSpc>
+              <a:spcBef>
+                <a:spcPts val="1000"/>
+              </a:spcBef>
+              <a:buFont typeface="Arial" panose="020B0604020202020204" pitchFamily="34" charset="0"/>
+              <a:buChar char="•"/>
+              <a:defRPr sz="2800" kern="1200">
+                <a:solidFill>
+                  <a:schemeClr val="tx1"/>
+                </a:solidFill>
+                <a:latin typeface="+mn-lt"/>
+                <a:ea typeface="+mn-ea"/>
+                <a:cs typeface="+mn-cs"/>
+              </a:defRPr>
+            </a:lvl1pPr>
+            <a:lvl2pPr marL="685800" indent="-228600" algn="l" defTabSz="914400" rtl="0" eaLnBrk="1" latinLnBrk="0" hangingPunct="1">
+              <a:lnSpc>
+                <a:spcPct val="90000"/>
+              </a:lnSpc>
+              <a:spcBef>
+                <a:spcPts val="500"/>
+              </a:spcBef>
+              <a:buFont typeface="Arial" panose="020B0604020202020204" pitchFamily="34" charset="0"/>
+              <a:buChar char="•"/>
+              <a:defRPr sz="2400" kern="1200">
+                <a:solidFill>
+                  <a:schemeClr val="tx1"/>
+                </a:solidFill>
+                <a:latin typeface="+mn-lt"/>
+                <a:ea typeface="+mn-ea"/>
+                <a:cs typeface="+mn-cs"/>
+              </a:defRPr>
+            </a:lvl2pPr>
+            <a:lvl3pPr marL="1143000" indent="-228600" algn="l" defTabSz="914400" rtl="0" eaLnBrk="1" latinLnBrk="0" hangingPunct="1">
+              <a:lnSpc>
+                <a:spcPct val="90000"/>
+              </a:lnSpc>
+              <a:spcBef>
+                <a:spcPts val="500"/>
+              </a:spcBef>
+              <a:buFont typeface="Arial" panose="020B0604020202020204" pitchFamily="34" charset="0"/>
+              <a:buChar char="•"/>
+              <a:defRPr sz="2000" kern="1200">
+                <a:solidFill>
+                  <a:schemeClr val="tx1"/>
+                </a:solidFill>
+                <a:latin typeface="+mn-lt"/>
+                <a:ea typeface="+mn-ea"/>
+                <a:cs typeface="+mn-cs"/>
+              </a:defRPr>
+            </a:lvl3pPr>
+            <a:lvl4pPr marL="1600200" indent="-228600" algn="l" defTabSz="914400" rtl="0" eaLnBrk="1" latinLnBrk="0" hangingPunct="1">
+              <a:lnSpc>
+                <a:spcPct val="90000"/>
+              </a:lnSpc>
+              <a:spcBef>
+                <a:spcPts val="500"/>
+              </a:spcBef>
+              <a:buFont typeface="Arial" panose="020B0604020202020204" pitchFamily="34" charset="0"/>
+              <a:buChar char="•"/>
+              <a:defRPr sz="1800" kern="1200">
+                <a:solidFill>
+                  <a:schemeClr val="tx1"/>
+                </a:solidFill>
+                <a:latin typeface="+mn-lt"/>
+                <a:ea typeface="+mn-ea"/>
+                <a:cs typeface="+mn-cs"/>
+              </a:defRPr>
+            </a:lvl4pPr>
+            <a:lvl5pPr marL="2057400" indent="-228600" algn="l" defTabSz="914400" rtl="0" eaLnBrk="1" latinLnBrk="0" hangingPunct="1">
+              <a:lnSpc>
+                <a:spcPct val="90000"/>
+              </a:lnSpc>
+              <a:spcBef>
+                <a:spcPts val="500"/>
+              </a:spcBef>
+              <a:buFont typeface="Arial" panose="020B0604020202020204" pitchFamily="34" charset="0"/>
+              <a:buChar char="•"/>
+              <a:defRPr sz="1800" kern="1200">
+                <a:solidFill>
+                  <a:schemeClr val="tx1"/>
+                </a:solidFill>
+                <a:latin typeface="+mn-lt"/>
+                <a:ea typeface="+mn-ea"/>
+                <a:cs typeface="+mn-cs"/>
+              </a:defRPr>
+            </a:lvl5pPr>
+            <a:lvl6pPr marL="2514600" indent="-228600" algn="l" defTabSz="914400" rtl="0" eaLnBrk="1" latinLnBrk="0" hangingPunct="1">
+              <a:lnSpc>
+                <a:spcPct val="90000"/>
+              </a:lnSpc>
+              <a:spcBef>
+                <a:spcPts val="500"/>
+              </a:spcBef>
+              <a:buFont typeface="Arial" panose="020B0604020202020204" pitchFamily="34" charset="0"/>
+              <a:buChar char="•"/>
+              <a:defRPr sz="1800" kern="1200">
+                <a:solidFill>
+                  <a:schemeClr val="tx1"/>
+                </a:solidFill>
+                <a:latin typeface="+mn-lt"/>
+                <a:ea typeface="+mn-ea"/>
+                <a:cs typeface="+mn-cs"/>
+              </a:defRPr>
+            </a:lvl6pPr>
+            <a:lvl7pPr marL="2971800" indent="-228600" algn="l" defTabSz="914400" rtl="0" eaLnBrk="1" latinLnBrk="0" hangingPunct="1">
+              <a:lnSpc>
+                <a:spcPct val="90000"/>
+              </a:lnSpc>
+              <a:spcBef>
+                <a:spcPts val="500"/>
+              </a:spcBef>
+              <a:buFont typeface="Arial" panose="020B0604020202020204" pitchFamily="34" charset="0"/>
+              <a:buChar char="•"/>
+              <a:defRPr sz="1800" kern="1200">
+                <a:solidFill>
+                  <a:schemeClr val="tx1"/>
+                </a:solidFill>
+                <a:latin typeface="+mn-lt"/>
+                <a:ea typeface="+mn-ea"/>
+                <a:cs typeface="+mn-cs"/>
+              </a:defRPr>
+            </a:lvl7pPr>
+            <a:lvl8pPr marL="3429000" indent="-228600" algn="l" defTabSz="914400" rtl="0" eaLnBrk="1" latinLnBrk="0" hangingPunct="1">
+              <a:lnSpc>
+                <a:spcPct val="90000"/>
+              </a:lnSpc>
+              <a:spcBef>
+                <a:spcPts val="500"/>
+              </a:spcBef>
+              <a:buFont typeface="Arial" panose="020B0604020202020204" pitchFamily="34" charset="0"/>
+              <a:buChar char="•"/>
+              <a:defRPr sz="1800" kern="1200">
+                <a:solidFill>
+                  <a:schemeClr val="tx1"/>
+                </a:solidFill>
+                <a:latin typeface="+mn-lt"/>
+                <a:ea typeface="+mn-ea"/>
+                <a:cs typeface="+mn-cs"/>
+              </a:defRPr>
+            </a:lvl8pPr>
+            <a:lvl9pPr marL="3886200" indent="-228600" algn="l" defTabSz="914400" rtl="0" eaLnBrk="1" latinLnBrk="0" hangingPunct="1">
+              <a:lnSpc>
+                <a:spcPct val="90000"/>
+              </a:lnSpc>
+              <a:spcBef>
+                <a:spcPts val="500"/>
+              </a:spcBef>
+              <a:buFont typeface="Arial" panose="020B0604020202020204" pitchFamily="34" charset="0"/>
+              <a:buChar char="•"/>
+              <a:defRPr sz="1800" kern="1200">
+                <a:solidFill>
+                  <a:schemeClr val="tx1"/>
+                </a:solidFill>
+                <a:latin typeface="+mn-lt"/>
+                <a:ea typeface="+mn-ea"/>
+                <a:cs typeface="+mn-cs"/>
+              </a:defRPr>
+            </a:lvl9pPr>
+          </a:lstStyle>
+          <a:p>
+            <a:endParaRPr lang="de-CH" sz="3600" dirty="0">
+              <a:latin typeface="Myriad Pro" panose="020B0503030403020204" pitchFamily="34" charset="0"/>
+            </a:endParaRPr>
+          </a:p>
+          <a:p>
+            <a:pPr marL="0" indent="0">
+              <a:buNone/>
+            </a:pPr>
+            <a:r>
+              <a:rPr lang="de-CH" sz="3600" dirty="0">
+                <a:latin typeface="Myriad Pro" panose="020B0503030403020204" pitchFamily="34" charset="0"/>
+              </a:rPr>
+              <a:t>	Meilenstein 4 </a:t>
+            </a:r>
+            <a:br>
+              <a:rPr lang="de-CH" sz="3600" dirty="0">
+                <a:latin typeface="Myriad Pro" panose="020B0503030403020204" pitchFamily="34" charset="0"/>
+              </a:rPr>
+            </a:br>
+            <a:r>
+              <a:rPr lang="de-CH" sz="3600" dirty="0">
+                <a:latin typeface="Myriad Pro" panose="020B0503030403020204" pitchFamily="34" charset="0"/>
+              </a:rPr>
+              <a:t>	Sitzungsleiter: Marco Sutter</a:t>
+            </a:r>
+            <a:endParaRPr lang="de-CH" sz="1200" dirty="0">
+              <a:latin typeface="Myriad Pro" panose="020B0503030403020204" pitchFamily="34" charset="0"/>
+            </a:endParaRPr>
+          </a:p>
+          <a:p>
+            <a:pPr marL="457200" lvl="1" indent="0">
+              <a:buNone/>
+            </a:pPr>
+            <a:r>
+              <a:rPr lang="de-CH" sz="1200" dirty="0">
+                <a:latin typeface="Myriad Pro" panose="020B0503030403020204" pitchFamily="34" charset="0"/>
+              </a:rPr>
+              <a:t>		</a:t>
+            </a:r>
+            <a:br>
+              <a:rPr lang="de-CH" sz="1200" dirty="0">
+                <a:latin typeface="Myriad Pro" panose="020B0503030403020204" pitchFamily="34" charset="0"/>
+              </a:rPr>
+            </a:br>
+            <a:r>
+              <a:rPr lang="de-CH" sz="1200" dirty="0">
+                <a:latin typeface="Myriad Pro" panose="020B0503030403020204" pitchFamily="34" charset="0"/>
+              </a:rPr>
+              <a:t>		</a:t>
+            </a:r>
+            <a:r>
+              <a:rPr lang="de-CH" sz="3200" dirty="0">
+                <a:latin typeface="Myriad Pro" panose="020B0503030403020204" pitchFamily="34" charset="0"/>
+              </a:rPr>
+              <a:t>- Testing</a:t>
+            </a:r>
+          </a:p>
+          <a:p>
+            <a:pPr marL="457200" lvl="1" indent="0">
+              <a:buNone/>
+            </a:pPr>
+            <a:r>
+              <a:rPr lang="de-CH" sz="3200" dirty="0">
+                <a:latin typeface="Myriad Pro" panose="020B0503030403020204" pitchFamily="34" charset="0"/>
+              </a:rPr>
+              <a:t>		- Übergabe</a:t>
+            </a:r>
+          </a:p>
+          <a:p>
+            <a:pPr marL="0" indent="0">
+              <a:buNone/>
+            </a:pPr>
+            <a:endParaRPr lang="de-CH" sz="3600" dirty="0">
+              <a:latin typeface="Myriad Pro" panose="020B0503030403020204" pitchFamily="34" charset="0"/>
+            </a:endParaRPr>
+          </a:p>
+        </p:txBody>
+      </p:sp>
     </p:spTree>
     <p:extLst>
       <p:ext uri="{BB962C8B-B14F-4D97-AF65-F5344CB8AC3E}">
@@ -6357,6 +7448,9 @@
   <p:clrMapOvr>
     <a:masterClrMapping/>
   </p:clrMapOvr>
+  <p:transition>
+    <p:push dir="u"/>
+  </p:transition>
 </p:sld>
 </file>
 
@@ -6418,7 +7512,7 @@
                 <a:solidFill>
                   <a:schemeClr val="bg1"/>
                 </a:solidFill>
-                <a:latin typeface="+mn-lt"/>
+                <a:latin typeface="Myriad Pro" panose="020B0503030403020204" pitchFamily="34" charset="0"/>
               </a:rPr>
               <a:t> Sitzungsende</a:t>
             </a:r>
@@ -6427,10 +7521,10 @@
       </p:sp>
       <p:sp>
         <p:nvSpPr>
-          <p:cNvPr id="3" name="Untertitel 2">
-            <a:extLst>
-              <a:ext uri="{FF2B5EF4-FFF2-40B4-BE49-F238E27FC236}">
-                <a16:creationId xmlns:a16="http://schemas.microsoft.com/office/drawing/2014/main" id="{6BB48593-C4BB-4FEB-8BCF-3D4DEFA0C74F}"/>
+          <p:cNvPr id="5" name="Subtitle 4">
+            <a:extLst>
+              <a:ext uri="{FF2B5EF4-FFF2-40B4-BE49-F238E27FC236}">
+                <a16:creationId xmlns:a16="http://schemas.microsoft.com/office/drawing/2014/main" id="{313424DB-785E-4C51-9A39-692BB84690CD}"/>
               </a:ext>
             </a:extLst>
           </p:cNvPr>
@@ -6441,20 +7535,212 @@
             <p:ph type="subTitle" idx="1"/>
           </p:nvPr>
         </p:nvSpPr>
+        <p:spPr/>
+        <p:txBody>
+          <a:bodyPr/>
+          <a:lstStyle/>
+          <a:p>
+            <a:endParaRPr lang="en-US"/>
+          </a:p>
+        </p:txBody>
+      </p:sp>
+      <p:sp>
+        <p:nvSpPr>
+          <p:cNvPr id="8" name="Untertitel 2">
+            <a:extLst>
+              <a:ext uri="{FF2B5EF4-FFF2-40B4-BE49-F238E27FC236}">
+                <a16:creationId xmlns:a16="http://schemas.microsoft.com/office/drawing/2014/main" id="{A9F84CC1-B1D1-46E0-A6A5-2834F32E2A8E}"/>
+              </a:ext>
+            </a:extLst>
+          </p:cNvPr>
+          <p:cNvSpPr txBox="1">
+            <a:spLocks/>
+          </p:cNvSpPr>
+          <p:nvPr/>
+        </p:nvSpPr>
         <p:spPr>
           <a:xfrm>
-            <a:off x="1524000" y="3602037"/>
+            <a:off x="1416940" y="3602037"/>
             <a:ext cx="9144000" cy="2883429"/>
           </a:xfrm>
+          <a:prstGeom prst="rect">
+            <a:avLst/>
+          </a:prstGeom>
         </p:spPr>
         <p:txBody>
-          <a:bodyPr/>
-          <a:lstStyle/>
+          <a:bodyPr vert="horz" lIns="91440" tIns="45720" rIns="91440" bIns="45720" rtlCol="0">
+            <a:normAutofit/>
+          </a:bodyPr>
+          <a:lstStyle>
+            <a:lvl1pPr marL="0" indent="0" algn="ctr" defTabSz="914400" rtl="0" eaLnBrk="1" latinLnBrk="0" hangingPunct="1">
+              <a:lnSpc>
+                <a:spcPct val="90000"/>
+              </a:lnSpc>
+              <a:spcBef>
+                <a:spcPts val="1000"/>
+              </a:spcBef>
+              <a:buFont typeface="Arial" panose="020B0604020202020204" pitchFamily="34" charset="0"/>
+              <a:buNone/>
+              <a:defRPr sz="2400" kern="1200">
+                <a:solidFill>
+                  <a:schemeClr val="tx1"/>
+                </a:solidFill>
+                <a:latin typeface="+mn-lt"/>
+                <a:ea typeface="+mn-ea"/>
+                <a:cs typeface="+mn-cs"/>
+              </a:defRPr>
+            </a:lvl1pPr>
+            <a:lvl2pPr marL="457200" indent="0" algn="ctr" defTabSz="914400" rtl="0" eaLnBrk="1" latinLnBrk="0" hangingPunct="1">
+              <a:lnSpc>
+                <a:spcPct val="90000"/>
+              </a:lnSpc>
+              <a:spcBef>
+                <a:spcPts val="500"/>
+              </a:spcBef>
+              <a:buFont typeface="Arial" panose="020B0604020202020204" pitchFamily="34" charset="0"/>
+              <a:buNone/>
+              <a:defRPr sz="2000" kern="1200">
+                <a:solidFill>
+                  <a:schemeClr val="tx1"/>
+                </a:solidFill>
+                <a:latin typeface="+mn-lt"/>
+                <a:ea typeface="+mn-ea"/>
+                <a:cs typeface="+mn-cs"/>
+              </a:defRPr>
+            </a:lvl2pPr>
+            <a:lvl3pPr marL="914400" indent="0" algn="ctr" defTabSz="914400" rtl="0" eaLnBrk="1" latinLnBrk="0" hangingPunct="1">
+              <a:lnSpc>
+                <a:spcPct val="90000"/>
+              </a:lnSpc>
+              <a:spcBef>
+                <a:spcPts val="500"/>
+              </a:spcBef>
+              <a:buFont typeface="Arial" panose="020B0604020202020204" pitchFamily="34" charset="0"/>
+              <a:buNone/>
+              <a:defRPr sz="1800" kern="1200">
+                <a:solidFill>
+                  <a:schemeClr val="tx1"/>
+                </a:solidFill>
+                <a:latin typeface="+mn-lt"/>
+                <a:ea typeface="+mn-ea"/>
+                <a:cs typeface="+mn-cs"/>
+              </a:defRPr>
+            </a:lvl3pPr>
+            <a:lvl4pPr marL="1371600" indent="0" algn="ctr" defTabSz="914400" rtl="0" eaLnBrk="1" latinLnBrk="0" hangingPunct="1">
+              <a:lnSpc>
+                <a:spcPct val="90000"/>
+              </a:lnSpc>
+              <a:spcBef>
+                <a:spcPts val="500"/>
+              </a:spcBef>
+              <a:buFont typeface="Arial" panose="020B0604020202020204" pitchFamily="34" charset="0"/>
+              <a:buNone/>
+              <a:defRPr sz="1600" kern="1200">
+                <a:solidFill>
+                  <a:schemeClr val="tx1"/>
+                </a:solidFill>
+                <a:latin typeface="+mn-lt"/>
+                <a:ea typeface="+mn-ea"/>
+                <a:cs typeface="+mn-cs"/>
+              </a:defRPr>
+            </a:lvl4pPr>
+            <a:lvl5pPr marL="1828800" indent="0" algn="ctr" defTabSz="914400" rtl="0" eaLnBrk="1" latinLnBrk="0" hangingPunct="1">
+              <a:lnSpc>
+                <a:spcPct val="90000"/>
+              </a:lnSpc>
+              <a:spcBef>
+                <a:spcPts val="500"/>
+              </a:spcBef>
+              <a:buFont typeface="Arial" panose="020B0604020202020204" pitchFamily="34" charset="0"/>
+              <a:buNone/>
+              <a:defRPr sz="1600" kern="1200">
+                <a:solidFill>
+                  <a:schemeClr val="tx1"/>
+                </a:solidFill>
+                <a:latin typeface="+mn-lt"/>
+                <a:ea typeface="+mn-ea"/>
+                <a:cs typeface="+mn-cs"/>
+              </a:defRPr>
+            </a:lvl5pPr>
+            <a:lvl6pPr marL="2286000" indent="0" algn="ctr" defTabSz="914400" rtl="0" eaLnBrk="1" latinLnBrk="0" hangingPunct="1">
+              <a:lnSpc>
+                <a:spcPct val="90000"/>
+              </a:lnSpc>
+              <a:spcBef>
+                <a:spcPts val="500"/>
+              </a:spcBef>
+              <a:buFont typeface="Arial" panose="020B0604020202020204" pitchFamily="34" charset="0"/>
+              <a:buNone/>
+              <a:defRPr sz="1600" kern="1200">
+                <a:solidFill>
+                  <a:schemeClr val="tx1"/>
+                </a:solidFill>
+                <a:latin typeface="+mn-lt"/>
+                <a:ea typeface="+mn-ea"/>
+                <a:cs typeface="+mn-cs"/>
+              </a:defRPr>
+            </a:lvl6pPr>
+            <a:lvl7pPr marL="2743200" indent="0" algn="ctr" defTabSz="914400" rtl="0" eaLnBrk="1" latinLnBrk="0" hangingPunct="1">
+              <a:lnSpc>
+                <a:spcPct val="90000"/>
+              </a:lnSpc>
+              <a:spcBef>
+                <a:spcPts val="500"/>
+              </a:spcBef>
+              <a:buFont typeface="Arial" panose="020B0604020202020204" pitchFamily="34" charset="0"/>
+              <a:buNone/>
+              <a:defRPr sz="1600" kern="1200">
+                <a:solidFill>
+                  <a:schemeClr val="tx1"/>
+                </a:solidFill>
+                <a:latin typeface="+mn-lt"/>
+                <a:ea typeface="+mn-ea"/>
+                <a:cs typeface="+mn-cs"/>
+              </a:defRPr>
+            </a:lvl7pPr>
+            <a:lvl8pPr marL="3200400" indent="0" algn="ctr" defTabSz="914400" rtl="0" eaLnBrk="1" latinLnBrk="0" hangingPunct="1">
+              <a:lnSpc>
+                <a:spcPct val="90000"/>
+              </a:lnSpc>
+              <a:spcBef>
+                <a:spcPts val="500"/>
+              </a:spcBef>
+              <a:buFont typeface="Arial" panose="020B0604020202020204" pitchFamily="34" charset="0"/>
+              <a:buNone/>
+              <a:defRPr sz="1600" kern="1200">
+                <a:solidFill>
+                  <a:schemeClr val="tx1"/>
+                </a:solidFill>
+                <a:latin typeface="+mn-lt"/>
+                <a:ea typeface="+mn-ea"/>
+                <a:cs typeface="+mn-cs"/>
+              </a:defRPr>
+            </a:lvl8pPr>
+            <a:lvl9pPr marL="3657600" indent="0" algn="ctr" defTabSz="914400" rtl="0" eaLnBrk="1" latinLnBrk="0" hangingPunct="1">
+              <a:lnSpc>
+                <a:spcPct val="90000"/>
+              </a:lnSpc>
+              <a:spcBef>
+                <a:spcPts val="500"/>
+              </a:spcBef>
+              <a:buFont typeface="Arial" panose="020B0604020202020204" pitchFamily="34" charset="0"/>
+              <a:buNone/>
+              <a:defRPr sz="1600" kern="1200">
+                <a:solidFill>
+                  <a:schemeClr val="tx1"/>
+                </a:solidFill>
+                <a:latin typeface="+mn-lt"/>
+                <a:ea typeface="+mn-ea"/>
+                <a:cs typeface="+mn-cs"/>
+              </a:defRPr>
+            </a:lvl9pPr>
+          </a:lstStyle>
           <a:p>
             <a:endParaRPr lang="de-CH" dirty="0">
               <a:solidFill>
                 <a:schemeClr val="bg1"/>
               </a:solidFill>
+              <a:latin typeface="Myriad Pro" panose="020B0503030403020204" pitchFamily="34" charset="0"/>
             </a:endParaRPr>
           </a:p>
           <a:p>
@@ -6462,6 +7748,7 @@
               <a:solidFill>
                 <a:schemeClr val="bg1"/>
               </a:solidFill>
+              <a:latin typeface="Myriad Pro" panose="020B0503030403020204" pitchFamily="34" charset="0"/>
             </a:endParaRPr>
           </a:p>
           <a:p>
@@ -6470,6 +7757,7 @@
                 <a:solidFill>
                   <a:schemeClr val="bg1"/>
                 </a:solidFill>
+                <a:latin typeface="Myriad Pro" panose="020B0503030403020204" pitchFamily="34" charset="0"/>
               </a:rPr>
               <a:t>Projekt Gruppe 16</a:t>
             </a:r>
@@ -6480,6 +7768,7 @@
                     <a:alpha val="0"/>
                   </a:schemeClr>
                 </a:solidFill>
+                <a:latin typeface="Myriad Pro" panose="020B0503030403020204" pitchFamily="34" charset="0"/>
               </a:rPr>
               <a:t>      </a:t>
             </a:r>
@@ -6490,6 +7779,7 @@
                     <a:alpha val="0"/>
                   </a:schemeClr>
                 </a:solidFill>
+                <a:latin typeface="Myriad Pro" panose="020B0503030403020204" pitchFamily="34" charset="0"/>
               </a:rPr>
               <a:t>-</a:t>
             </a:r>
@@ -6499,6 +7789,7 @@
               <a:solidFill>
                 <a:schemeClr val="bg1"/>
               </a:solidFill>
+              <a:latin typeface="Myriad Pro" panose="020B0503030403020204" pitchFamily="34" charset="0"/>
             </a:endParaRPr>
           </a:p>
           <a:p>
@@ -6507,18 +7798,19 @@
                 <a:solidFill>
                   <a:schemeClr val="bg1"/>
                 </a:solidFill>
+                <a:latin typeface="Myriad Pro" panose="020B0503030403020204" pitchFamily="34" charset="0"/>
               </a:rPr>
-              <a:t>Reto Mayer, Jonas Rüegge, Marco Sutter, Fabian Wipf</a:t>
+              <a:t>Reto Mayer, Marco Sutter, Fabian Wipf</a:t>
             </a:r>
           </a:p>
         </p:txBody>
       </p:sp>
       <p:pic>
         <p:nvPicPr>
-          <p:cNvPr id="7" name="Grafik 6">
-            <a:extLst>
-              <a:ext uri="{FF2B5EF4-FFF2-40B4-BE49-F238E27FC236}">
-                <a16:creationId xmlns:a16="http://schemas.microsoft.com/office/drawing/2014/main" id="{EF12A104-3A4B-4B58-8C7D-80197AEAD192}"/>
+          <p:cNvPr id="9" name="Grafik 6">
+            <a:extLst>
+              <a:ext uri="{FF2B5EF4-FFF2-40B4-BE49-F238E27FC236}">
+                <a16:creationId xmlns:a16="http://schemas.microsoft.com/office/drawing/2014/main" id="{3F99303E-B982-4955-9C76-8A6728CBE906}"/>
               </a:ext>
             </a:extLst>
           </p:cNvPr>
@@ -6541,7 +7833,7 @@
         </p:blipFill>
         <p:spPr>
           <a:xfrm>
-            <a:off x="8470214" y="4359719"/>
+            <a:off x="8800626" y="4359719"/>
             <a:ext cx="2053852" cy="1284446"/>
           </a:xfrm>
           <a:prstGeom prst="rect">
@@ -6559,6 +7851,9 @@
   <p:clrMapOvr>
     <a:masterClrMapping/>
   </p:clrMapOvr>
+  <p:transition>
+    <p:push dir="u"/>
+  </p:transition>
 </p:sld>
 </file>
 
